--- a/MEMORIA/Plantilla_TFM_latex/imagenes/Presentación1.pptx
+++ b/MEMORIA/Plantilla_TFM_latex/imagenes/Presentación1.pptx
@@ -7,6 +7,8 @@
   <p:sldIdLst>
     <p:sldId id="256" r:id="rId2"/>
     <p:sldId id="257" r:id="rId3"/>
+    <p:sldId id="258" r:id="rId4"/>
+    <p:sldId id="259" r:id="rId5"/>
   </p:sldIdLst>
   <p:sldSz cx="12192000" cy="6858000"/>
   <p:notesSz cx="6858000" cy="9144000"/>
@@ -260,7 +262,7 @@
           <a:p>
             <a:fld id="{90C0B549-5748-475B-B651-42788813F321}" type="datetimeFigureOut">
               <a:rPr lang="es-ES" smtClean="0"/>
-              <a:t>01/01/2019</a:t>
+              <a:t>27/01/2019</a:t>
             </a:fld>
             <a:endParaRPr lang="es-ES"/>
           </a:p>
@@ -458,7 +460,7 @@
           <a:p>
             <a:fld id="{90C0B549-5748-475B-B651-42788813F321}" type="datetimeFigureOut">
               <a:rPr lang="es-ES" smtClean="0"/>
-              <a:t>01/01/2019</a:t>
+              <a:t>27/01/2019</a:t>
             </a:fld>
             <a:endParaRPr lang="es-ES"/>
           </a:p>
@@ -666,7 +668,7 @@
           <a:p>
             <a:fld id="{90C0B549-5748-475B-B651-42788813F321}" type="datetimeFigureOut">
               <a:rPr lang="es-ES" smtClean="0"/>
-              <a:t>01/01/2019</a:t>
+              <a:t>27/01/2019</a:t>
             </a:fld>
             <a:endParaRPr lang="es-ES"/>
           </a:p>
@@ -864,7 +866,7 @@
           <a:p>
             <a:fld id="{90C0B549-5748-475B-B651-42788813F321}" type="datetimeFigureOut">
               <a:rPr lang="es-ES" smtClean="0"/>
-              <a:t>01/01/2019</a:t>
+              <a:t>27/01/2019</a:t>
             </a:fld>
             <a:endParaRPr lang="es-ES"/>
           </a:p>
@@ -1139,7 +1141,7 @@
           <a:p>
             <a:fld id="{90C0B549-5748-475B-B651-42788813F321}" type="datetimeFigureOut">
               <a:rPr lang="es-ES" smtClean="0"/>
-              <a:t>01/01/2019</a:t>
+              <a:t>27/01/2019</a:t>
             </a:fld>
             <a:endParaRPr lang="es-ES"/>
           </a:p>
@@ -1404,7 +1406,7 @@
           <a:p>
             <a:fld id="{90C0B549-5748-475B-B651-42788813F321}" type="datetimeFigureOut">
               <a:rPr lang="es-ES" smtClean="0"/>
-              <a:t>01/01/2019</a:t>
+              <a:t>27/01/2019</a:t>
             </a:fld>
             <a:endParaRPr lang="es-ES"/>
           </a:p>
@@ -1816,7 +1818,7 @@
           <a:p>
             <a:fld id="{90C0B549-5748-475B-B651-42788813F321}" type="datetimeFigureOut">
               <a:rPr lang="es-ES" smtClean="0"/>
-              <a:t>01/01/2019</a:t>
+              <a:t>27/01/2019</a:t>
             </a:fld>
             <a:endParaRPr lang="es-ES"/>
           </a:p>
@@ -1957,7 +1959,7 @@
           <a:p>
             <a:fld id="{90C0B549-5748-475B-B651-42788813F321}" type="datetimeFigureOut">
               <a:rPr lang="es-ES" smtClean="0"/>
-              <a:t>01/01/2019</a:t>
+              <a:t>27/01/2019</a:t>
             </a:fld>
             <a:endParaRPr lang="es-ES"/>
           </a:p>
@@ -2070,7 +2072,7 @@
           <a:p>
             <a:fld id="{90C0B549-5748-475B-B651-42788813F321}" type="datetimeFigureOut">
               <a:rPr lang="es-ES" smtClean="0"/>
-              <a:t>01/01/2019</a:t>
+              <a:t>27/01/2019</a:t>
             </a:fld>
             <a:endParaRPr lang="es-ES"/>
           </a:p>
@@ -2381,7 +2383,7 @@
           <a:p>
             <a:fld id="{90C0B549-5748-475B-B651-42788813F321}" type="datetimeFigureOut">
               <a:rPr lang="es-ES" smtClean="0"/>
-              <a:t>01/01/2019</a:t>
+              <a:t>27/01/2019</a:t>
             </a:fld>
             <a:endParaRPr lang="es-ES"/>
           </a:p>
@@ -2669,7 +2671,7 @@
           <a:p>
             <a:fld id="{90C0B549-5748-475B-B651-42788813F321}" type="datetimeFigureOut">
               <a:rPr lang="es-ES" smtClean="0"/>
-              <a:t>01/01/2019</a:t>
+              <a:t>27/01/2019</a:t>
             </a:fld>
             <a:endParaRPr lang="es-ES"/>
           </a:p>
@@ -2910,7 +2912,7 @@
           <a:p>
             <a:fld id="{90C0B549-5748-475B-B651-42788813F321}" type="datetimeFigureOut">
               <a:rPr lang="es-ES" smtClean="0"/>
-              <a:t>01/01/2019</a:t>
+              <a:t>27/01/2019</a:t>
             </a:fld>
             <a:endParaRPr lang="es-ES"/>
           </a:p>
@@ -4359,6 +4361,4315 @@
 </p:sld>
 </file>
 
+<file path=ppt/slides/slide3.xml><?xml version="1.0" encoding="utf-8"?>
+<p:sld xmlns:a="http://schemas.openxmlformats.org/drawingml/2006/main" xmlns:r="http://schemas.openxmlformats.org/officeDocument/2006/relationships" xmlns:p="http://schemas.openxmlformats.org/presentationml/2006/main">
+  <p:cSld>
+    <p:spTree>
+      <p:nvGrpSpPr>
+        <p:cNvPr id="1" name=""/>
+        <p:cNvGrpSpPr/>
+        <p:nvPr/>
+      </p:nvGrpSpPr>
+      <p:grpSpPr>
+        <a:xfrm>
+          <a:off x="0" y="0"/>
+          <a:ext cx="0" cy="0"/>
+          <a:chOff x="0" y="0"/>
+          <a:chExt cx="0" cy="0"/>
+        </a:xfrm>
+      </p:grpSpPr>
+      <p:sp>
+        <p:nvSpPr>
+          <p:cNvPr id="20" name="Nube 19">
+            <a:extLst>
+              <a:ext uri="{FF2B5EF4-FFF2-40B4-BE49-F238E27FC236}">
+                <a16:creationId xmlns:a16="http://schemas.microsoft.com/office/drawing/2014/main" id="{93676D03-0CC3-4FE7-8B0F-53FFA512D015}"/>
+              </a:ext>
+            </a:extLst>
+          </p:cNvPr>
+          <p:cNvSpPr/>
+          <p:nvPr/>
+        </p:nvSpPr>
+        <p:spPr>
+          <a:xfrm>
+            <a:off x="3811896" y="2562128"/>
+            <a:ext cx="3219450" cy="2072257"/>
+          </a:xfrm>
+          <a:prstGeom prst="cloud">
+            <a:avLst/>
+          </a:prstGeom>
+          <a:solidFill>
+            <a:schemeClr val="bg1">
+              <a:lumMod val="95000"/>
+            </a:schemeClr>
+          </a:solidFill>
+        </p:spPr>
+        <p:style>
+          <a:lnRef idx="2">
+            <a:schemeClr val="accent1">
+              <a:shade val="50000"/>
+            </a:schemeClr>
+          </a:lnRef>
+          <a:fillRef idx="1">
+            <a:schemeClr val="accent1"/>
+          </a:fillRef>
+          <a:effectRef idx="0">
+            <a:schemeClr val="accent1"/>
+          </a:effectRef>
+          <a:fontRef idx="minor">
+            <a:schemeClr val="lt1"/>
+          </a:fontRef>
+        </p:style>
+        <p:txBody>
+          <a:bodyPr rtlCol="0" anchor="ctr"/>
+          <a:lstStyle/>
+          <a:p>
+            <a:pPr algn="ctr"/>
+            <a:endParaRPr lang="es-ES" dirty="0"/>
+          </a:p>
+        </p:txBody>
+      </p:sp>
+      <p:pic>
+        <p:nvPicPr>
+          <p:cNvPr id="75" name="Imagen 74">
+            <a:extLst>
+              <a:ext uri="{FF2B5EF4-FFF2-40B4-BE49-F238E27FC236}">
+                <a16:creationId xmlns:a16="http://schemas.microsoft.com/office/drawing/2014/main" id="{BE698872-0255-4849-9856-E4C7C4AC9316}"/>
+              </a:ext>
+            </a:extLst>
+          </p:cNvPr>
+          <p:cNvPicPr>
+            <a:picLocks noChangeAspect="1"/>
+          </p:cNvPicPr>
+          <p:nvPr/>
+        </p:nvPicPr>
+        <p:blipFill rotWithShape="1">
+          <a:blip r:embed="rId2">
+            <a:extLst>
+              <a:ext uri="{28A0092B-C50C-407E-A947-70E740481C1C}">
+                <a14:useLocalDpi xmlns:a14="http://schemas.microsoft.com/office/drawing/2010/main" val="0"/>
+              </a:ext>
+            </a:extLst>
+          </a:blip>
+          <a:srcRect l="67300" b="18194"/>
+          <a:stretch/>
+        </p:blipFill>
+        <p:spPr>
+          <a:xfrm>
+            <a:off x="4504505" y="2954568"/>
+            <a:ext cx="1581928" cy="1088460"/>
+          </a:xfrm>
+          <a:prstGeom prst="rect">
+            <a:avLst/>
+          </a:prstGeom>
+        </p:spPr>
+      </p:pic>
+      <p:sp>
+        <p:nvSpPr>
+          <p:cNvPr id="4" name="Rectángulo: esquinas redondeadas 3">
+            <a:extLst>
+              <a:ext uri="{FF2B5EF4-FFF2-40B4-BE49-F238E27FC236}">
+                <a16:creationId xmlns:a16="http://schemas.microsoft.com/office/drawing/2014/main" id="{501B6E6D-4F77-4DE4-BC03-E76BD2B40AC8}"/>
+              </a:ext>
+            </a:extLst>
+          </p:cNvPr>
+          <p:cNvSpPr/>
+          <p:nvPr/>
+        </p:nvSpPr>
+        <p:spPr>
+          <a:xfrm>
+            <a:off x="1905000" y="3195637"/>
+            <a:ext cx="1115695" cy="633330"/>
+          </a:xfrm>
+          <a:prstGeom prst="roundRect">
+            <a:avLst/>
+          </a:prstGeom>
+          <a:solidFill>
+            <a:srgbClr val="C00000"/>
+          </a:solidFill>
+          <a:ln>
+            <a:solidFill>
+              <a:srgbClr val="C00000"/>
+            </a:solidFill>
+          </a:ln>
+        </p:spPr>
+        <p:style>
+          <a:lnRef idx="0">
+            <a:schemeClr val="accent2"/>
+          </a:lnRef>
+          <a:fillRef idx="3">
+            <a:schemeClr val="accent2"/>
+          </a:fillRef>
+          <a:effectRef idx="3">
+            <a:schemeClr val="accent2"/>
+          </a:effectRef>
+          <a:fontRef idx="minor">
+            <a:schemeClr val="lt1"/>
+          </a:fontRef>
+        </p:style>
+        <p:txBody>
+          <a:bodyPr rtlCol="0" anchor="ctr"/>
+          <a:lstStyle/>
+          <a:p>
+            <a:pPr algn="ctr"/>
+            <a:r>
+              <a:rPr lang="es-ES" dirty="0"/>
+              <a:t>Apps</a:t>
+            </a:r>
+          </a:p>
+        </p:txBody>
+      </p:sp>
+      <p:sp>
+        <p:nvSpPr>
+          <p:cNvPr id="6" name="Rectángulo: esquinas redondeadas 5">
+            <a:extLst>
+              <a:ext uri="{FF2B5EF4-FFF2-40B4-BE49-F238E27FC236}">
+                <a16:creationId xmlns:a16="http://schemas.microsoft.com/office/drawing/2014/main" id="{A5AF6FA2-F520-4617-A402-556076730A23}"/>
+              </a:ext>
+            </a:extLst>
+          </p:cNvPr>
+          <p:cNvSpPr/>
+          <p:nvPr/>
+        </p:nvSpPr>
+        <p:spPr>
+          <a:xfrm>
+            <a:off x="1905000" y="3924300"/>
+            <a:ext cx="1115695" cy="633330"/>
+          </a:xfrm>
+          <a:prstGeom prst="roundRect">
+            <a:avLst/>
+          </a:prstGeom>
+          <a:solidFill>
+            <a:srgbClr val="C00000"/>
+          </a:solidFill>
+          <a:ln>
+            <a:solidFill>
+              <a:srgbClr val="C00000"/>
+            </a:solidFill>
+          </a:ln>
+        </p:spPr>
+        <p:style>
+          <a:lnRef idx="0">
+            <a:schemeClr val="accent2"/>
+          </a:lnRef>
+          <a:fillRef idx="3">
+            <a:schemeClr val="accent2"/>
+          </a:fillRef>
+          <a:effectRef idx="3">
+            <a:schemeClr val="accent2"/>
+          </a:effectRef>
+          <a:fontRef idx="minor">
+            <a:schemeClr val="lt1"/>
+          </a:fontRef>
+        </p:style>
+        <p:txBody>
+          <a:bodyPr rtlCol="0" anchor="ctr"/>
+          <a:lstStyle/>
+          <a:p>
+            <a:pPr algn="ctr"/>
+            <a:r>
+              <a:rPr lang="es-ES" dirty="0"/>
+              <a:t>OS</a:t>
+            </a:r>
+          </a:p>
+        </p:txBody>
+      </p:sp>
+      <p:sp>
+        <p:nvSpPr>
+          <p:cNvPr id="7" name="Rectángulo: esquinas redondeadas 6">
+            <a:extLst>
+              <a:ext uri="{FF2B5EF4-FFF2-40B4-BE49-F238E27FC236}">
+                <a16:creationId xmlns:a16="http://schemas.microsoft.com/office/drawing/2014/main" id="{D8A5CEA3-AEBF-4039-BDF6-D169FE236D75}"/>
+              </a:ext>
+            </a:extLst>
+          </p:cNvPr>
+          <p:cNvSpPr/>
+          <p:nvPr/>
+        </p:nvSpPr>
+        <p:spPr>
+          <a:xfrm>
+            <a:off x="1905000" y="4652963"/>
+            <a:ext cx="1115695" cy="633330"/>
+          </a:xfrm>
+          <a:prstGeom prst="roundRect">
+            <a:avLst/>
+          </a:prstGeom>
+          <a:solidFill>
+            <a:srgbClr val="C00000"/>
+          </a:solidFill>
+          <a:ln>
+            <a:solidFill>
+              <a:srgbClr val="C00000"/>
+            </a:solidFill>
+          </a:ln>
+        </p:spPr>
+        <p:style>
+          <a:lnRef idx="0">
+            <a:schemeClr val="accent2"/>
+          </a:lnRef>
+          <a:fillRef idx="3">
+            <a:schemeClr val="accent2"/>
+          </a:fillRef>
+          <a:effectRef idx="3">
+            <a:schemeClr val="accent2"/>
+          </a:effectRef>
+          <a:fontRef idx="minor">
+            <a:schemeClr val="lt1"/>
+          </a:fontRef>
+        </p:style>
+        <p:txBody>
+          <a:bodyPr rtlCol="0" anchor="ctr"/>
+          <a:lstStyle/>
+          <a:p>
+            <a:pPr algn="ctr"/>
+            <a:r>
+              <a:rPr lang="es-ES" sz="1400" dirty="0" err="1"/>
+              <a:t>Hypervisor</a:t>
+            </a:r>
+            <a:endParaRPr lang="es-ES" sz="1400" dirty="0"/>
+          </a:p>
+        </p:txBody>
+      </p:sp>
+      <p:sp>
+        <p:nvSpPr>
+          <p:cNvPr id="8" name="Rectángulo: esquinas redondeadas 7">
+            <a:extLst>
+              <a:ext uri="{FF2B5EF4-FFF2-40B4-BE49-F238E27FC236}">
+                <a16:creationId xmlns:a16="http://schemas.microsoft.com/office/drawing/2014/main" id="{E9F1A1C5-2222-48B2-8EDE-83BD0FC596AC}"/>
+              </a:ext>
+            </a:extLst>
+          </p:cNvPr>
+          <p:cNvSpPr/>
+          <p:nvPr/>
+        </p:nvSpPr>
+        <p:spPr>
+          <a:xfrm>
+            <a:off x="1905000" y="5381626"/>
+            <a:ext cx="2390775" cy="581024"/>
+          </a:xfrm>
+          <a:prstGeom prst="roundRect">
+            <a:avLst/>
+          </a:prstGeom>
+          <a:solidFill>
+            <a:schemeClr val="accent6">
+              <a:lumMod val="75000"/>
+            </a:schemeClr>
+          </a:solidFill>
+          <a:ln>
+            <a:solidFill>
+              <a:schemeClr val="accent6">
+                <a:lumMod val="75000"/>
+              </a:schemeClr>
+            </a:solidFill>
+          </a:ln>
+        </p:spPr>
+        <p:style>
+          <a:lnRef idx="0">
+            <a:schemeClr val="accent2"/>
+          </a:lnRef>
+          <a:fillRef idx="3">
+            <a:schemeClr val="accent2"/>
+          </a:fillRef>
+          <a:effectRef idx="3">
+            <a:schemeClr val="accent2"/>
+          </a:effectRef>
+          <a:fontRef idx="minor">
+            <a:schemeClr val="lt1"/>
+          </a:fontRef>
+        </p:style>
+        <p:txBody>
+          <a:bodyPr rtlCol="0" anchor="ctr"/>
+          <a:lstStyle/>
+          <a:p>
+            <a:pPr algn="ctr"/>
+            <a:r>
+              <a:rPr lang="es-ES" dirty="0"/>
+              <a:t>ARM </a:t>
+            </a:r>
+            <a:r>
+              <a:rPr lang="es-ES" dirty="0" err="1"/>
+              <a:t>Trusted</a:t>
+            </a:r>
+            <a:r>
+              <a:rPr lang="es-ES" dirty="0"/>
+              <a:t> Firmware</a:t>
+            </a:r>
+          </a:p>
+        </p:txBody>
+      </p:sp>
+      <p:sp>
+        <p:nvSpPr>
+          <p:cNvPr id="9" name="Rectángulo: esquinas redondeadas 8">
+            <a:extLst>
+              <a:ext uri="{FF2B5EF4-FFF2-40B4-BE49-F238E27FC236}">
+                <a16:creationId xmlns:a16="http://schemas.microsoft.com/office/drawing/2014/main" id="{C8D806CC-C851-412F-A39C-E4234EF22C78}"/>
+              </a:ext>
+            </a:extLst>
+          </p:cNvPr>
+          <p:cNvSpPr/>
+          <p:nvPr/>
+        </p:nvSpPr>
+        <p:spPr>
+          <a:xfrm>
+            <a:off x="3180080" y="3195637"/>
+            <a:ext cx="1115695" cy="633330"/>
+          </a:xfrm>
+          <a:prstGeom prst="roundRect">
+            <a:avLst/>
+          </a:prstGeom>
+          <a:solidFill>
+            <a:schemeClr val="accent6">
+              <a:lumMod val="75000"/>
+            </a:schemeClr>
+          </a:solidFill>
+          <a:ln>
+            <a:solidFill>
+              <a:schemeClr val="accent6">
+                <a:lumMod val="75000"/>
+              </a:schemeClr>
+            </a:solidFill>
+          </a:ln>
+        </p:spPr>
+        <p:style>
+          <a:lnRef idx="0">
+            <a:schemeClr val="accent2"/>
+          </a:lnRef>
+          <a:fillRef idx="3">
+            <a:schemeClr val="accent2"/>
+          </a:fillRef>
+          <a:effectRef idx="3">
+            <a:schemeClr val="accent2"/>
+          </a:effectRef>
+          <a:fontRef idx="minor">
+            <a:schemeClr val="lt1"/>
+          </a:fontRef>
+        </p:style>
+        <p:txBody>
+          <a:bodyPr rtlCol="0" anchor="ctr"/>
+          <a:lstStyle/>
+          <a:p>
+            <a:pPr algn="ctr"/>
+            <a:r>
+              <a:rPr lang="es-ES" dirty="0" err="1"/>
+              <a:t>Trusted</a:t>
+            </a:r>
+            <a:r>
+              <a:rPr lang="es-ES" dirty="0"/>
+              <a:t> Apps</a:t>
+            </a:r>
+          </a:p>
+        </p:txBody>
+      </p:sp>
+      <p:pic>
+        <p:nvPicPr>
+          <p:cNvPr id="19" name="Imagen 18">
+            <a:extLst>
+              <a:ext uri="{FF2B5EF4-FFF2-40B4-BE49-F238E27FC236}">
+                <a16:creationId xmlns:a16="http://schemas.microsoft.com/office/drawing/2014/main" id="{89035378-905B-42C2-A4FE-59C3A3997594}"/>
+              </a:ext>
+            </a:extLst>
+          </p:cNvPr>
+          <p:cNvPicPr>
+            <a:picLocks noChangeAspect="1"/>
+          </p:cNvPicPr>
+          <p:nvPr/>
+        </p:nvPicPr>
+        <p:blipFill>
+          <a:blip r:embed="rId3">
+            <a:extLst>
+              <a:ext uri="{28A0092B-C50C-407E-A947-70E740481C1C}">
+                <a14:useLocalDpi xmlns:a14="http://schemas.microsoft.com/office/drawing/2010/main" val="0"/>
+              </a:ext>
+            </a:extLst>
+          </a:blip>
+          <a:stretch>
+            <a:fillRect/>
+          </a:stretch>
+        </p:blipFill>
+        <p:spPr>
+          <a:xfrm>
+            <a:off x="5117602" y="3077427"/>
+            <a:ext cx="579802" cy="751540"/>
+          </a:xfrm>
+          <a:prstGeom prst="rect">
+            <a:avLst/>
+          </a:prstGeom>
+        </p:spPr>
+      </p:pic>
+      <p:pic>
+        <p:nvPicPr>
+          <p:cNvPr id="14" name="Imagen 13">
+            <a:extLst>
+              <a:ext uri="{FF2B5EF4-FFF2-40B4-BE49-F238E27FC236}">
+                <a16:creationId xmlns:a16="http://schemas.microsoft.com/office/drawing/2014/main" id="{688AF718-0E5F-48F5-AA17-8A091757B414}"/>
+              </a:ext>
+            </a:extLst>
+          </p:cNvPr>
+          <p:cNvPicPr>
+            <a:picLocks noChangeAspect="1"/>
+          </p:cNvPicPr>
+          <p:nvPr/>
+        </p:nvPicPr>
+        <p:blipFill>
+          <a:blip r:embed="rId4">
+            <a:extLst>
+              <a:ext uri="{28A0092B-C50C-407E-A947-70E740481C1C}">
+                <a14:useLocalDpi xmlns:a14="http://schemas.microsoft.com/office/drawing/2010/main" val="0"/>
+              </a:ext>
+            </a:extLst>
+          </a:blip>
+          <a:stretch>
+            <a:fillRect/>
+          </a:stretch>
+        </p:blipFill>
+        <p:spPr>
+          <a:xfrm>
+            <a:off x="5791053" y="2278571"/>
+            <a:ext cx="590760" cy="790004"/>
+          </a:xfrm>
+          <a:prstGeom prst="rect">
+            <a:avLst/>
+          </a:prstGeom>
+        </p:spPr>
+      </p:pic>
+      <p:pic>
+        <p:nvPicPr>
+          <p:cNvPr id="15" name="Imagen 14">
+            <a:extLst>
+              <a:ext uri="{FF2B5EF4-FFF2-40B4-BE49-F238E27FC236}">
+                <a16:creationId xmlns:a16="http://schemas.microsoft.com/office/drawing/2014/main" id="{754198D3-E7BC-490E-9029-DD7CAC47D1D4}"/>
+              </a:ext>
+            </a:extLst>
+          </p:cNvPr>
+          <p:cNvPicPr>
+            <a:picLocks noChangeAspect="1"/>
+          </p:cNvPicPr>
+          <p:nvPr/>
+        </p:nvPicPr>
+        <p:blipFill>
+          <a:blip r:embed="rId4">
+            <a:extLst>
+              <a:ext uri="{28A0092B-C50C-407E-A947-70E740481C1C}">
+                <a14:useLocalDpi xmlns:a14="http://schemas.microsoft.com/office/drawing/2010/main" val="0"/>
+              </a:ext>
+            </a:extLst>
+          </a:blip>
+          <a:stretch>
+            <a:fillRect/>
+          </a:stretch>
+        </p:blipFill>
+        <p:spPr>
+          <a:xfrm>
+            <a:off x="5653805" y="3671561"/>
+            <a:ext cx="590760" cy="790004"/>
+          </a:xfrm>
+          <a:prstGeom prst="rect">
+            <a:avLst/>
+          </a:prstGeom>
+        </p:spPr>
+      </p:pic>
+      <p:sp>
+        <p:nvSpPr>
+          <p:cNvPr id="5" name="Rectángulo: esquinas redondeadas 4">
+            <a:extLst>
+              <a:ext uri="{FF2B5EF4-FFF2-40B4-BE49-F238E27FC236}">
+                <a16:creationId xmlns:a16="http://schemas.microsoft.com/office/drawing/2014/main" id="{E3D6872F-E5DF-4AC0-8E39-A4AD31AA9D29}"/>
+              </a:ext>
+            </a:extLst>
+          </p:cNvPr>
+          <p:cNvSpPr/>
+          <p:nvPr/>
+        </p:nvSpPr>
+        <p:spPr>
+          <a:xfrm>
+            <a:off x="3180080" y="3919660"/>
+            <a:ext cx="1115695" cy="1371273"/>
+          </a:xfrm>
+          <a:prstGeom prst="roundRect">
+            <a:avLst/>
+          </a:prstGeom>
+          <a:solidFill>
+            <a:schemeClr val="accent6">
+              <a:lumMod val="75000"/>
+            </a:schemeClr>
+          </a:solidFill>
+          <a:ln>
+            <a:solidFill>
+              <a:schemeClr val="accent6">
+                <a:lumMod val="75000"/>
+              </a:schemeClr>
+            </a:solidFill>
+          </a:ln>
+        </p:spPr>
+        <p:style>
+          <a:lnRef idx="0">
+            <a:schemeClr val="accent2"/>
+          </a:lnRef>
+          <a:fillRef idx="3">
+            <a:schemeClr val="accent2"/>
+          </a:fillRef>
+          <a:effectRef idx="3">
+            <a:schemeClr val="accent2"/>
+          </a:effectRef>
+          <a:fontRef idx="minor">
+            <a:schemeClr val="lt1"/>
+          </a:fontRef>
+        </p:style>
+        <p:txBody>
+          <a:bodyPr rtlCol="0" anchor="ctr"/>
+          <a:lstStyle/>
+          <a:p>
+            <a:pPr algn="ctr"/>
+            <a:r>
+              <a:rPr lang="es-ES" dirty="0" err="1"/>
+              <a:t>Trusted</a:t>
+            </a:r>
+            <a:r>
+              <a:rPr lang="es-ES" dirty="0"/>
+              <a:t> OS</a:t>
+            </a:r>
+          </a:p>
+        </p:txBody>
+      </p:sp>
+      <p:pic>
+        <p:nvPicPr>
+          <p:cNvPr id="22" name="Imagen 21">
+            <a:extLst>
+              <a:ext uri="{FF2B5EF4-FFF2-40B4-BE49-F238E27FC236}">
+                <a16:creationId xmlns:a16="http://schemas.microsoft.com/office/drawing/2014/main" id="{F29A8203-EF47-49F2-A5CC-853770C56BDE}"/>
+              </a:ext>
+            </a:extLst>
+          </p:cNvPr>
+          <p:cNvPicPr>
+            <a:picLocks noChangeAspect="1"/>
+          </p:cNvPicPr>
+          <p:nvPr/>
+        </p:nvPicPr>
+        <p:blipFill>
+          <a:blip r:embed="rId5">
+            <a:extLst>
+              <a:ext uri="{28A0092B-C50C-407E-A947-70E740481C1C}">
+                <a14:useLocalDpi xmlns:a14="http://schemas.microsoft.com/office/drawing/2010/main" val="0"/>
+              </a:ext>
+            </a:extLst>
+          </a:blip>
+          <a:stretch>
+            <a:fillRect/>
+          </a:stretch>
+        </p:blipFill>
+        <p:spPr>
+          <a:xfrm>
+            <a:off x="4881952" y="5015569"/>
+            <a:ext cx="1011878" cy="1023247"/>
+          </a:xfrm>
+          <a:prstGeom prst="rect">
+            <a:avLst/>
+          </a:prstGeom>
+        </p:spPr>
+      </p:pic>
+      <p:pic>
+        <p:nvPicPr>
+          <p:cNvPr id="13" name="Imagen 12">
+            <a:extLst>
+              <a:ext uri="{FF2B5EF4-FFF2-40B4-BE49-F238E27FC236}">
+                <a16:creationId xmlns:a16="http://schemas.microsoft.com/office/drawing/2014/main" id="{6A0781E5-11C2-400C-A038-1AD54A6E1188}"/>
+              </a:ext>
+            </a:extLst>
+          </p:cNvPr>
+          <p:cNvPicPr>
+            <a:picLocks noChangeAspect="1"/>
+          </p:cNvPicPr>
+          <p:nvPr/>
+        </p:nvPicPr>
+        <p:blipFill>
+          <a:blip r:embed="rId4">
+            <a:extLst>
+              <a:ext uri="{28A0092B-C50C-407E-A947-70E740481C1C}">
+                <a14:useLocalDpi xmlns:a14="http://schemas.microsoft.com/office/drawing/2010/main" val="0"/>
+              </a:ext>
+            </a:extLst>
+          </a:blip>
+          <a:stretch>
+            <a:fillRect/>
+          </a:stretch>
+        </p:blipFill>
+        <p:spPr>
+          <a:xfrm>
+            <a:off x="4093100" y="3203255"/>
+            <a:ext cx="590760" cy="790004"/>
+          </a:xfrm>
+          <a:prstGeom prst="rect">
+            <a:avLst/>
+          </a:prstGeom>
+        </p:spPr>
+      </p:pic>
+      <p:pic>
+        <p:nvPicPr>
+          <p:cNvPr id="23" name="Imagen 22">
+            <a:extLst>
+              <a:ext uri="{FF2B5EF4-FFF2-40B4-BE49-F238E27FC236}">
+                <a16:creationId xmlns:a16="http://schemas.microsoft.com/office/drawing/2014/main" id="{A3E8BAC8-5132-416F-9E9F-718BF70144A9}"/>
+              </a:ext>
+            </a:extLst>
+          </p:cNvPr>
+          <p:cNvPicPr>
+            <a:picLocks noChangeAspect="1"/>
+          </p:cNvPicPr>
+          <p:nvPr/>
+        </p:nvPicPr>
+        <p:blipFill>
+          <a:blip r:embed="rId5">
+            <a:extLst>
+              <a:ext uri="{28A0092B-C50C-407E-A947-70E740481C1C}">
+                <a14:useLocalDpi xmlns:a14="http://schemas.microsoft.com/office/drawing/2010/main" val="0"/>
+              </a:ext>
+            </a:extLst>
+          </a:blip>
+          <a:stretch>
+            <a:fillRect/>
+          </a:stretch>
+        </p:blipFill>
+        <p:spPr>
+          <a:xfrm>
+            <a:off x="6086433" y="4967944"/>
+            <a:ext cx="1011878" cy="1023247"/>
+          </a:xfrm>
+          <a:prstGeom prst="rect">
+            <a:avLst/>
+          </a:prstGeom>
+        </p:spPr>
+      </p:pic>
+      <p:pic>
+        <p:nvPicPr>
+          <p:cNvPr id="24" name="Imagen 23">
+            <a:extLst>
+              <a:ext uri="{FF2B5EF4-FFF2-40B4-BE49-F238E27FC236}">
+                <a16:creationId xmlns:a16="http://schemas.microsoft.com/office/drawing/2014/main" id="{9CAEBCC8-1388-4429-839B-916A0DECEF70}"/>
+              </a:ext>
+            </a:extLst>
+          </p:cNvPr>
+          <p:cNvPicPr>
+            <a:picLocks noChangeAspect="1"/>
+          </p:cNvPicPr>
+          <p:nvPr/>
+        </p:nvPicPr>
+        <p:blipFill>
+          <a:blip r:embed="rId5">
+            <a:extLst>
+              <a:ext uri="{28A0092B-C50C-407E-A947-70E740481C1C}">
+                <a14:useLocalDpi xmlns:a14="http://schemas.microsoft.com/office/drawing/2010/main" val="0"/>
+              </a:ext>
+            </a:extLst>
+          </a:blip>
+          <a:stretch>
+            <a:fillRect/>
+          </a:stretch>
+        </p:blipFill>
+        <p:spPr>
+          <a:xfrm>
+            <a:off x="6810669" y="4270188"/>
+            <a:ext cx="1011878" cy="1023247"/>
+          </a:xfrm>
+          <a:prstGeom prst="rect">
+            <a:avLst/>
+          </a:prstGeom>
+        </p:spPr>
+      </p:pic>
+      <p:cxnSp>
+        <p:nvCxnSpPr>
+          <p:cNvPr id="26" name="Conector recto de flecha 25">
+            <a:extLst>
+              <a:ext uri="{FF2B5EF4-FFF2-40B4-BE49-F238E27FC236}">
+                <a16:creationId xmlns:a16="http://schemas.microsoft.com/office/drawing/2014/main" id="{F690B5A4-770B-47D9-8612-1B3A88369E96}"/>
+              </a:ext>
+            </a:extLst>
+          </p:cNvPr>
+          <p:cNvCxnSpPr>
+            <a:cxnSpLocks/>
+          </p:cNvCxnSpPr>
+          <p:nvPr/>
+        </p:nvCxnSpPr>
+        <p:spPr>
+          <a:xfrm flipH="1" flipV="1">
+            <a:off x="5082915" y="4700190"/>
+            <a:ext cx="324588" cy="425303"/>
+          </a:xfrm>
+          <a:prstGeom prst="straightConnector1">
+            <a:avLst/>
+          </a:prstGeom>
+          <a:ln>
+            <a:tailEnd type="triangle"/>
+          </a:ln>
+        </p:spPr>
+        <p:style>
+          <a:lnRef idx="1">
+            <a:schemeClr val="accent1"/>
+          </a:lnRef>
+          <a:fillRef idx="0">
+            <a:schemeClr val="accent1"/>
+          </a:fillRef>
+          <a:effectRef idx="0">
+            <a:schemeClr val="accent1"/>
+          </a:effectRef>
+          <a:fontRef idx="minor">
+            <a:schemeClr val="tx1"/>
+          </a:fontRef>
+        </p:style>
+      </p:cxnSp>
+      <p:cxnSp>
+        <p:nvCxnSpPr>
+          <p:cNvPr id="28" name="Conector recto de flecha 27">
+            <a:extLst>
+              <a:ext uri="{FF2B5EF4-FFF2-40B4-BE49-F238E27FC236}">
+                <a16:creationId xmlns:a16="http://schemas.microsoft.com/office/drawing/2014/main" id="{88F740A3-3597-41B2-9375-954EE8710900}"/>
+              </a:ext>
+            </a:extLst>
+          </p:cNvPr>
+          <p:cNvCxnSpPr>
+            <a:cxnSpLocks/>
+          </p:cNvCxnSpPr>
+          <p:nvPr/>
+        </p:nvCxnSpPr>
+        <p:spPr>
+          <a:xfrm flipH="1" flipV="1">
+            <a:off x="6048667" y="4557630"/>
+            <a:ext cx="163738" cy="285120"/>
+          </a:xfrm>
+          <a:prstGeom prst="straightConnector1">
+            <a:avLst/>
+          </a:prstGeom>
+          <a:ln>
+            <a:tailEnd type="triangle"/>
+          </a:ln>
+        </p:spPr>
+        <p:style>
+          <a:lnRef idx="1">
+            <a:schemeClr val="accent1"/>
+          </a:lnRef>
+          <a:fillRef idx="0">
+            <a:schemeClr val="accent1"/>
+          </a:fillRef>
+          <a:effectRef idx="0">
+            <a:schemeClr val="accent1"/>
+          </a:effectRef>
+          <a:fontRef idx="minor">
+            <a:schemeClr val="tx1"/>
+          </a:fontRef>
+        </p:style>
+      </p:cxnSp>
+      <p:cxnSp>
+        <p:nvCxnSpPr>
+          <p:cNvPr id="39" name="Conector recto de flecha 38">
+            <a:extLst>
+              <a:ext uri="{FF2B5EF4-FFF2-40B4-BE49-F238E27FC236}">
+                <a16:creationId xmlns:a16="http://schemas.microsoft.com/office/drawing/2014/main" id="{EB5E2BA1-DA36-42D9-9ED5-29E1387A1584}"/>
+              </a:ext>
+            </a:extLst>
+          </p:cNvPr>
+          <p:cNvCxnSpPr>
+            <a:cxnSpLocks/>
+          </p:cNvCxnSpPr>
+          <p:nvPr/>
+        </p:nvCxnSpPr>
+        <p:spPr>
+          <a:xfrm flipH="1" flipV="1">
+            <a:off x="6679091" y="4066563"/>
+            <a:ext cx="163738" cy="285120"/>
+          </a:xfrm>
+          <a:prstGeom prst="straightConnector1">
+            <a:avLst/>
+          </a:prstGeom>
+          <a:ln>
+            <a:tailEnd type="triangle"/>
+          </a:ln>
+        </p:spPr>
+        <p:style>
+          <a:lnRef idx="1">
+            <a:schemeClr val="accent1"/>
+          </a:lnRef>
+          <a:fillRef idx="0">
+            <a:schemeClr val="accent1"/>
+          </a:fillRef>
+          <a:effectRef idx="0">
+            <a:schemeClr val="accent1"/>
+          </a:effectRef>
+          <a:fontRef idx="minor">
+            <a:schemeClr val="tx1"/>
+          </a:fontRef>
+        </p:style>
+      </p:cxnSp>
+      <p:pic>
+        <p:nvPicPr>
+          <p:cNvPr id="57" name="Imagen 56">
+            <a:extLst>
+              <a:ext uri="{FF2B5EF4-FFF2-40B4-BE49-F238E27FC236}">
+                <a16:creationId xmlns:a16="http://schemas.microsoft.com/office/drawing/2014/main" id="{8DA5114F-3DA7-4E15-ACA5-69946B0F7715}"/>
+              </a:ext>
+            </a:extLst>
+          </p:cNvPr>
+          <p:cNvPicPr>
+            <a:picLocks noChangeAspect="1"/>
+          </p:cNvPicPr>
+          <p:nvPr/>
+        </p:nvPicPr>
+        <p:blipFill>
+          <a:blip r:embed="rId6">
+            <a:extLst>
+              <a:ext uri="{28A0092B-C50C-407E-A947-70E740481C1C}">
+                <a14:useLocalDpi xmlns:a14="http://schemas.microsoft.com/office/drawing/2010/main" val="0"/>
+              </a:ext>
+            </a:extLst>
+          </a:blip>
+          <a:stretch>
+            <a:fillRect/>
+          </a:stretch>
+        </p:blipFill>
+        <p:spPr>
+          <a:xfrm>
+            <a:off x="1502233" y="1728359"/>
+            <a:ext cx="4188303" cy="1284304"/>
+          </a:xfrm>
+          <a:prstGeom prst="rect">
+            <a:avLst/>
+          </a:prstGeom>
+        </p:spPr>
+      </p:pic>
+      <p:sp>
+        <p:nvSpPr>
+          <p:cNvPr id="53" name="Rectángulo 52">
+            <a:extLst>
+              <a:ext uri="{FF2B5EF4-FFF2-40B4-BE49-F238E27FC236}">
+                <a16:creationId xmlns:a16="http://schemas.microsoft.com/office/drawing/2014/main" id="{91EB8457-08FB-44E5-B20B-7FC1A4CC1178}"/>
+              </a:ext>
+            </a:extLst>
+          </p:cNvPr>
+          <p:cNvSpPr/>
+          <p:nvPr/>
+        </p:nvSpPr>
+        <p:spPr>
+          <a:xfrm>
+            <a:off x="4707747" y="3919660"/>
+            <a:ext cx="767314" cy="395356"/>
+          </a:xfrm>
+          <a:prstGeom prst="rect">
+            <a:avLst/>
+          </a:prstGeom>
+        </p:spPr>
+        <p:style>
+          <a:lnRef idx="2">
+            <a:schemeClr val="dk1"/>
+          </a:lnRef>
+          <a:fillRef idx="1">
+            <a:schemeClr val="lt1"/>
+          </a:fillRef>
+          <a:effectRef idx="0">
+            <a:schemeClr val="dk1"/>
+          </a:effectRef>
+          <a:fontRef idx="minor">
+            <a:schemeClr val="dk1"/>
+          </a:fontRef>
+        </p:style>
+        <p:txBody>
+          <a:bodyPr rtlCol="0" anchor="ctr"/>
+          <a:lstStyle/>
+          <a:p>
+            <a:pPr algn="ctr"/>
+            <a:r>
+              <a:rPr lang="es-ES" sz="1400" b="1" dirty="0"/>
+              <a:t>CGGTTS</a:t>
+            </a:r>
+            <a:endParaRPr lang="es-ES" b="1" dirty="0"/>
+          </a:p>
+        </p:txBody>
+      </p:sp>
+      <p:pic>
+        <p:nvPicPr>
+          <p:cNvPr id="63" name="Imagen 62">
+            <a:extLst>
+              <a:ext uri="{FF2B5EF4-FFF2-40B4-BE49-F238E27FC236}">
+                <a16:creationId xmlns:a16="http://schemas.microsoft.com/office/drawing/2014/main" id="{22218F82-648C-49AB-8CF9-8563F2345127}"/>
+              </a:ext>
+            </a:extLst>
+          </p:cNvPr>
+          <p:cNvPicPr>
+            <a:picLocks noChangeAspect="1"/>
+          </p:cNvPicPr>
+          <p:nvPr/>
+        </p:nvPicPr>
+        <p:blipFill>
+          <a:blip r:embed="rId7">
+            <a:extLst>
+              <a:ext uri="{28A0092B-C50C-407E-A947-70E740481C1C}">
+                <a14:useLocalDpi xmlns:a14="http://schemas.microsoft.com/office/drawing/2010/main" val="0"/>
+              </a:ext>
+            </a:extLst>
+          </a:blip>
+          <a:stretch>
+            <a:fillRect/>
+          </a:stretch>
+        </p:blipFill>
+        <p:spPr>
+          <a:xfrm>
+            <a:off x="4129705" y="3796940"/>
+            <a:ext cx="405344" cy="405344"/>
+          </a:xfrm>
+          <a:prstGeom prst="rect">
+            <a:avLst/>
+          </a:prstGeom>
+        </p:spPr>
+      </p:pic>
+      <p:pic>
+        <p:nvPicPr>
+          <p:cNvPr id="11" name="Imagen 10">
+            <a:extLst>
+              <a:ext uri="{FF2B5EF4-FFF2-40B4-BE49-F238E27FC236}">
+                <a16:creationId xmlns:a16="http://schemas.microsoft.com/office/drawing/2014/main" id="{C018F67B-A5AE-4337-B38A-2492070858CB}"/>
+              </a:ext>
+            </a:extLst>
+          </p:cNvPr>
+          <p:cNvPicPr>
+            <a:picLocks noChangeAspect="1"/>
+          </p:cNvPicPr>
+          <p:nvPr/>
+        </p:nvPicPr>
+        <p:blipFill>
+          <a:blip r:embed="rId8">
+            <a:extLst>
+              <a:ext uri="{28A0092B-C50C-407E-A947-70E740481C1C}">
+                <a14:useLocalDpi xmlns:a14="http://schemas.microsoft.com/office/drawing/2010/main" val="0"/>
+              </a:ext>
+            </a:extLst>
+          </a:blip>
+          <a:stretch>
+            <a:fillRect/>
+          </a:stretch>
+        </p:blipFill>
+        <p:spPr>
+          <a:xfrm>
+            <a:off x="2491177" y="4738819"/>
+            <a:ext cx="1377806" cy="773349"/>
+          </a:xfrm>
+          <a:prstGeom prst="rect">
+            <a:avLst/>
+          </a:prstGeom>
+        </p:spPr>
+      </p:pic>
+      <p:pic>
+        <p:nvPicPr>
+          <p:cNvPr id="64" name="Imagen 63">
+            <a:extLst>
+              <a:ext uri="{FF2B5EF4-FFF2-40B4-BE49-F238E27FC236}">
+                <a16:creationId xmlns:a16="http://schemas.microsoft.com/office/drawing/2014/main" id="{0E8C10B7-B0AE-4961-AF80-D90A7FF322BE}"/>
+              </a:ext>
+            </a:extLst>
+          </p:cNvPr>
+          <p:cNvPicPr>
+            <a:picLocks noChangeAspect="1"/>
+          </p:cNvPicPr>
+          <p:nvPr/>
+        </p:nvPicPr>
+        <p:blipFill>
+          <a:blip r:embed="rId7">
+            <a:extLst>
+              <a:ext uri="{28A0092B-C50C-407E-A947-70E740481C1C}">
+                <a14:useLocalDpi xmlns:a14="http://schemas.microsoft.com/office/drawing/2010/main" val="0"/>
+              </a:ext>
+            </a:extLst>
+          </a:blip>
+          <a:stretch>
+            <a:fillRect/>
+          </a:stretch>
+        </p:blipFill>
+        <p:spPr>
+          <a:xfrm>
+            <a:off x="6030157" y="4149011"/>
+            <a:ext cx="405344" cy="405344"/>
+          </a:xfrm>
+          <a:prstGeom prst="rect">
+            <a:avLst/>
+          </a:prstGeom>
+        </p:spPr>
+      </p:pic>
+      <p:pic>
+        <p:nvPicPr>
+          <p:cNvPr id="65" name="Imagen 64">
+            <a:extLst>
+              <a:ext uri="{FF2B5EF4-FFF2-40B4-BE49-F238E27FC236}">
+                <a16:creationId xmlns:a16="http://schemas.microsoft.com/office/drawing/2014/main" id="{60C970C3-0ADB-4FFE-92DF-47B63BC606DB}"/>
+              </a:ext>
+            </a:extLst>
+          </p:cNvPr>
+          <p:cNvPicPr>
+            <a:picLocks noChangeAspect="1"/>
+          </p:cNvPicPr>
+          <p:nvPr/>
+        </p:nvPicPr>
+        <p:blipFill>
+          <a:blip r:embed="rId7">
+            <a:extLst>
+              <a:ext uri="{28A0092B-C50C-407E-A947-70E740481C1C}">
+                <a14:useLocalDpi xmlns:a14="http://schemas.microsoft.com/office/drawing/2010/main" val="0"/>
+              </a:ext>
+            </a:extLst>
+          </a:blip>
+          <a:stretch>
+            <a:fillRect/>
+          </a:stretch>
+        </p:blipFill>
+        <p:spPr>
+          <a:xfrm>
+            <a:off x="6151836" y="2797115"/>
+            <a:ext cx="405344" cy="405344"/>
+          </a:xfrm>
+          <a:prstGeom prst="rect">
+            <a:avLst/>
+          </a:prstGeom>
+        </p:spPr>
+      </p:pic>
+      <p:pic>
+        <p:nvPicPr>
+          <p:cNvPr id="71" name="Imagen 70">
+            <a:extLst>
+              <a:ext uri="{FF2B5EF4-FFF2-40B4-BE49-F238E27FC236}">
+                <a16:creationId xmlns:a16="http://schemas.microsoft.com/office/drawing/2014/main" id="{B34FC26C-F9F0-4C76-93E9-55FE9F513C70}"/>
+              </a:ext>
+            </a:extLst>
+          </p:cNvPr>
+          <p:cNvPicPr>
+            <a:picLocks noChangeAspect="1"/>
+          </p:cNvPicPr>
+          <p:nvPr/>
+        </p:nvPicPr>
+        <p:blipFill>
+          <a:blip r:embed="rId9">
+            <a:extLst>
+              <a:ext uri="{28A0092B-C50C-407E-A947-70E740481C1C}">
+                <a14:useLocalDpi xmlns:a14="http://schemas.microsoft.com/office/drawing/2010/main" val="0"/>
+              </a:ext>
+            </a:extLst>
+          </a:blip>
+          <a:stretch>
+            <a:fillRect/>
+          </a:stretch>
+        </p:blipFill>
+        <p:spPr>
+          <a:xfrm>
+            <a:off x="3130257" y="2473012"/>
+            <a:ext cx="1088376" cy="790005"/>
+          </a:xfrm>
+          <a:prstGeom prst="rect">
+            <a:avLst/>
+          </a:prstGeom>
+        </p:spPr>
+      </p:pic>
+    </p:spTree>
+    <p:extLst>
+      <p:ext uri="{BB962C8B-B14F-4D97-AF65-F5344CB8AC3E}">
+        <p14:creationId xmlns:p14="http://schemas.microsoft.com/office/powerpoint/2010/main" val="2660433996"/>
+      </p:ext>
+    </p:extLst>
+  </p:cSld>
+  <p:clrMapOvr>
+    <a:masterClrMapping/>
+  </p:clrMapOvr>
+</p:sld>
+</file>
+
+<file path=ppt/slides/slide4.xml><?xml version="1.0" encoding="utf-8"?>
+<p:sld xmlns:a="http://schemas.openxmlformats.org/drawingml/2006/main" xmlns:r="http://schemas.openxmlformats.org/officeDocument/2006/relationships" xmlns:p="http://schemas.openxmlformats.org/presentationml/2006/main">
+  <p:cSld>
+    <p:spTree>
+      <p:nvGrpSpPr>
+        <p:cNvPr id="1" name=""/>
+        <p:cNvGrpSpPr/>
+        <p:nvPr/>
+      </p:nvGrpSpPr>
+      <p:grpSpPr>
+        <a:xfrm>
+          <a:off x="0" y="0"/>
+          <a:ext cx="0" cy="0"/>
+          <a:chOff x="0" y="0"/>
+          <a:chExt cx="0" cy="0"/>
+        </a:xfrm>
+      </p:grpSpPr>
+      <p:graphicFrame>
+        <p:nvGraphicFramePr>
+          <p:cNvPr id="4" name="Tabla 3">
+            <a:extLst>
+              <a:ext uri="{FF2B5EF4-FFF2-40B4-BE49-F238E27FC236}">
+                <a16:creationId xmlns:a16="http://schemas.microsoft.com/office/drawing/2014/main" id="{5559A63B-4950-43FA-8159-6AC63FC5F9D5}"/>
+              </a:ext>
+            </a:extLst>
+          </p:cNvPr>
+          <p:cNvGraphicFramePr>
+            <a:graphicFrameLocks noGrp="1"/>
+          </p:cNvGraphicFramePr>
+          <p:nvPr>
+            <p:extLst>
+              <p:ext uri="{D42A27DB-BD31-4B8C-83A1-F6EECF244321}">
+                <p14:modId xmlns:p14="http://schemas.microsoft.com/office/powerpoint/2010/main" val="3613315102"/>
+              </p:ext>
+            </p:extLst>
+          </p:nvPr>
+        </p:nvGraphicFramePr>
+        <p:xfrm>
+          <a:off x="962025" y="587375"/>
+          <a:ext cx="7429500" cy="1473200"/>
+        </p:xfrm>
+        <a:graphic>
+          <a:graphicData uri="http://schemas.openxmlformats.org/drawingml/2006/table">
+            <a:tbl>
+              <a:tblPr firstRow="1" bandRow="1">
+                <a:tableStyleId>{073A0DAA-6AF3-43AB-8588-CEC1D06C72B9}</a:tableStyleId>
+              </a:tblPr>
+              <a:tblGrid>
+                <a:gridCol w="1358900">
+                  <a:extLst>
+                    <a:ext uri="{9D8B030D-6E8A-4147-A177-3AD203B41FA5}">
+                      <a16:colId xmlns:a16="http://schemas.microsoft.com/office/drawing/2014/main" val="2331280310"/>
+                    </a:ext>
+                  </a:extLst>
+                </a:gridCol>
+                <a:gridCol w="825500">
+                  <a:extLst>
+                    <a:ext uri="{9D8B030D-6E8A-4147-A177-3AD203B41FA5}">
+                      <a16:colId xmlns:a16="http://schemas.microsoft.com/office/drawing/2014/main" val="1293922020"/>
+                    </a:ext>
+                  </a:extLst>
+                </a:gridCol>
+                <a:gridCol w="1473200">
+                  <a:extLst>
+                    <a:ext uri="{9D8B030D-6E8A-4147-A177-3AD203B41FA5}">
+                      <a16:colId xmlns:a16="http://schemas.microsoft.com/office/drawing/2014/main" val="3890250330"/>
+                    </a:ext>
+                  </a:extLst>
+                </a:gridCol>
+                <a:gridCol w="1638300">
+                  <a:extLst>
+                    <a:ext uri="{9D8B030D-6E8A-4147-A177-3AD203B41FA5}">
+                      <a16:colId xmlns:a16="http://schemas.microsoft.com/office/drawing/2014/main" val="2560603671"/>
+                    </a:ext>
+                  </a:extLst>
+                </a:gridCol>
+                <a:gridCol w="2133600">
+                  <a:extLst>
+                    <a:ext uri="{9D8B030D-6E8A-4147-A177-3AD203B41FA5}">
+                      <a16:colId xmlns:a16="http://schemas.microsoft.com/office/drawing/2014/main" val="360346369"/>
+                    </a:ext>
+                  </a:extLst>
+                </a:gridCol>
+              </a:tblGrid>
+              <a:tr h="184150">
+                <a:tc>
+                  <a:txBody>
+                    <a:bodyPr/>
+                    <a:lstStyle/>
+                    <a:p>
+                      <a:pPr algn="l" fontAlgn="b"/>
+                      <a:r>
+                        <a:rPr lang="es-ES" sz="1100" u="none" strike="noStrike" dirty="0">
+                          <a:effectLst/>
+                        </a:rPr>
+                        <a:t>Nombre</a:t>
+                      </a:r>
+                      <a:endParaRPr lang="es-ES" sz="1100" b="1" i="0" u="none" strike="noStrike" dirty="0">
+                        <a:solidFill>
+                          <a:srgbClr val="FFFFFF"/>
+                        </a:solidFill>
+                        <a:effectLst/>
+                        <a:latin typeface="Calibri" panose="020F0502020204030204" pitchFamily="34" charset="0"/>
+                      </a:endParaRPr>
+                    </a:p>
+                  </a:txBody>
+                  <a:tcPr marL="6350" marR="6350" marT="6350" marB="0" anchor="b"/>
+                </a:tc>
+                <a:tc>
+                  <a:txBody>
+                    <a:bodyPr/>
+                    <a:lstStyle/>
+                    <a:p>
+                      <a:pPr algn="l" fontAlgn="b"/>
+                      <a:r>
+                        <a:rPr lang="es-ES" sz="1100" u="none" strike="noStrike">
+                          <a:effectLst/>
+                        </a:rPr>
+                        <a:t>Tecnología</a:t>
+                      </a:r>
+                      <a:endParaRPr lang="es-ES" sz="1100" b="1" i="0" u="none" strike="noStrike">
+                        <a:solidFill>
+                          <a:srgbClr val="FFFFFF"/>
+                        </a:solidFill>
+                        <a:effectLst/>
+                        <a:latin typeface="Calibri" panose="020F0502020204030204" pitchFamily="34" charset="0"/>
+                      </a:endParaRPr>
+                    </a:p>
+                  </a:txBody>
+                  <a:tcPr marL="6350" marR="6350" marT="6350" marB="0" anchor="b"/>
+                </a:tc>
+                <a:tc>
+                  <a:txBody>
+                    <a:bodyPr/>
+                    <a:lstStyle/>
+                    <a:p>
+                      <a:pPr algn="l" fontAlgn="b"/>
+                      <a:r>
+                        <a:rPr lang="es-ES" sz="1100" u="none" strike="noStrike">
+                          <a:effectLst/>
+                        </a:rPr>
+                        <a:t>Pública/permisionada</a:t>
+                      </a:r>
+                      <a:endParaRPr lang="es-ES" sz="1100" b="1" i="0" u="none" strike="noStrike">
+                        <a:solidFill>
+                          <a:srgbClr val="FFFFFF"/>
+                        </a:solidFill>
+                        <a:effectLst/>
+                        <a:latin typeface="Calibri" panose="020F0502020204030204" pitchFamily="34" charset="0"/>
+                      </a:endParaRPr>
+                    </a:p>
+                  </a:txBody>
+                  <a:tcPr marL="6350" marR="6350" marT="6350" marB="0" anchor="b"/>
+                </a:tc>
+                <a:tc>
+                  <a:txBody>
+                    <a:bodyPr/>
+                    <a:lstStyle/>
+                    <a:p>
+                      <a:pPr algn="l" fontAlgn="b"/>
+                      <a:r>
+                        <a:rPr lang="es-ES" sz="1100" u="none" strike="noStrike">
+                          <a:effectLst/>
+                        </a:rPr>
+                        <a:t>Algoritmo de consenso</a:t>
+                      </a:r>
+                      <a:endParaRPr lang="es-ES" sz="1100" b="1" i="0" u="none" strike="noStrike">
+                        <a:solidFill>
+                          <a:srgbClr val="FFFFFF"/>
+                        </a:solidFill>
+                        <a:effectLst/>
+                        <a:latin typeface="Calibri" panose="020F0502020204030204" pitchFamily="34" charset="0"/>
+                      </a:endParaRPr>
+                    </a:p>
+                  </a:txBody>
+                  <a:tcPr marL="6350" marR="6350" marT="6350" marB="0" anchor="b"/>
+                </a:tc>
+                <a:tc>
+                  <a:txBody>
+                    <a:bodyPr/>
+                    <a:lstStyle/>
+                    <a:p>
+                      <a:pPr algn="l" fontAlgn="b"/>
+                      <a:r>
+                        <a:rPr lang="es-ES" sz="1100" u="none" strike="noStrike">
+                          <a:effectLst/>
+                        </a:rPr>
+                        <a:t>Transacciones por segundo (tx/s)</a:t>
+                      </a:r>
+                      <a:endParaRPr lang="es-ES" sz="1100" b="1" i="0" u="none" strike="noStrike">
+                        <a:solidFill>
+                          <a:srgbClr val="FFFFFF"/>
+                        </a:solidFill>
+                        <a:effectLst/>
+                        <a:latin typeface="Calibri" panose="020F0502020204030204" pitchFamily="34" charset="0"/>
+                      </a:endParaRPr>
+                    </a:p>
+                  </a:txBody>
+                  <a:tcPr marL="6350" marR="6350" marT="6350" marB="0" anchor="b"/>
+                </a:tc>
+                <a:extLst>
+                  <a:ext uri="{0D108BD9-81ED-4DB2-BD59-A6C34878D82A}">
+                    <a16:rowId xmlns:a16="http://schemas.microsoft.com/office/drawing/2014/main" val="726431115"/>
+                  </a:ext>
+                </a:extLst>
+              </a:tr>
+              <a:tr h="184150">
+                <a:tc>
+                  <a:txBody>
+                    <a:bodyPr/>
+                    <a:lstStyle/>
+                    <a:p>
+                      <a:pPr algn="l" fontAlgn="b"/>
+                      <a:r>
+                        <a:rPr lang="es-ES" sz="1100" u="none" strike="noStrike">
+                          <a:effectLst/>
+                        </a:rPr>
+                        <a:t>Bitcoin</a:t>
+                      </a:r>
+                      <a:endParaRPr lang="es-ES" sz="1100" b="0" i="0" u="none" strike="noStrike">
+                        <a:solidFill>
+                          <a:srgbClr val="000000"/>
+                        </a:solidFill>
+                        <a:effectLst/>
+                        <a:latin typeface="Calibri" panose="020F0502020204030204" pitchFamily="34" charset="0"/>
+                      </a:endParaRPr>
+                    </a:p>
+                  </a:txBody>
+                  <a:tcPr marL="6350" marR="6350" marT="6350" marB="0" anchor="b"/>
+                </a:tc>
+                <a:tc>
+                  <a:txBody>
+                    <a:bodyPr/>
+                    <a:lstStyle/>
+                    <a:p>
+                      <a:pPr algn="l" fontAlgn="b"/>
+                      <a:r>
+                        <a:rPr lang="es-ES" sz="1100" u="none" strike="noStrike">
+                          <a:effectLst/>
+                        </a:rPr>
+                        <a:t>Blockchain</a:t>
+                      </a:r>
+                      <a:endParaRPr lang="es-ES" sz="1100" b="0" i="0" u="none" strike="noStrike">
+                        <a:solidFill>
+                          <a:srgbClr val="000000"/>
+                        </a:solidFill>
+                        <a:effectLst/>
+                        <a:latin typeface="Calibri" panose="020F0502020204030204" pitchFamily="34" charset="0"/>
+                      </a:endParaRPr>
+                    </a:p>
+                  </a:txBody>
+                  <a:tcPr marL="6350" marR="6350" marT="6350" marB="0" anchor="b"/>
+                </a:tc>
+                <a:tc>
+                  <a:txBody>
+                    <a:bodyPr/>
+                    <a:lstStyle/>
+                    <a:p>
+                      <a:pPr algn="l" fontAlgn="b"/>
+                      <a:r>
+                        <a:rPr lang="es-ES" sz="1100" u="none" strike="noStrike">
+                          <a:effectLst/>
+                        </a:rPr>
+                        <a:t>Pública </a:t>
+                      </a:r>
+                      <a:endParaRPr lang="es-ES" sz="1100" b="0" i="0" u="none" strike="noStrike">
+                        <a:solidFill>
+                          <a:srgbClr val="000000"/>
+                        </a:solidFill>
+                        <a:effectLst/>
+                        <a:latin typeface="Calibri" panose="020F0502020204030204" pitchFamily="34" charset="0"/>
+                      </a:endParaRPr>
+                    </a:p>
+                  </a:txBody>
+                  <a:tcPr marL="6350" marR="6350" marT="6350" marB="0" anchor="b"/>
+                </a:tc>
+                <a:tc>
+                  <a:txBody>
+                    <a:bodyPr/>
+                    <a:lstStyle/>
+                    <a:p>
+                      <a:pPr algn="l" fontAlgn="b"/>
+                      <a:r>
+                        <a:rPr lang="es-ES" sz="1100" u="none" strike="noStrike" dirty="0" err="1">
+                          <a:effectLst/>
+                        </a:rPr>
+                        <a:t>Proof</a:t>
+                      </a:r>
+                      <a:r>
+                        <a:rPr lang="es-ES" sz="1100" u="none" strike="noStrike" dirty="0">
+                          <a:effectLst/>
+                        </a:rPr>
+                        <a:t> </a:t>
+                      </a:r>
+                      <a:r>
+                        <a:rPr lang="es-ES" sz="1100" u="none" strike="noStrike" dirty="0" err="1">
+                          <a:effectLst/>
+                        </a:rPr>
+                        <a:t>of</a:t>
+                      </a:r>
+                      <a:r>
+                        <a:rPr lang="es-ES" sz="1100" u="none" strike="noStrike" dirty="0">
+                          <a:effectLst/>
+                        </a:rPr>
+                        <a:t> </a:t>
+                      </a:r>
+                      <a:r>
+                        <a:rPr lang="es-ES" sz="1100" u="none" strike="noStrike" dirty="0" err="1">
+                          <a:effectLst/>
+                        </a:rPr>
+                        <a:t>Work</a:t>
+                      </a:r>
+                      <a:endParaRPr lang="es-ES" sz="1100" b="0" i="0" u="none" strike="noStrike" dirty="0">
+                        <a:solidFill>
+                          <a:srgbClr val="000000"/>
+                        </a:solidFill>
+                        <a:effectLst/>
+                        <a:latin typeface="Calibri" panose="020F0502020204030204" pitchFamily="34" charset="0"/>
+                      </a:endParaRPr>
+                    </a:p>
+                  </a:txBody>
+                  <a:tcPr marL="6350" marR="6350" marT="6350" marB="0" anchor="b"/>
+                </a:tc>
+                <a:tc>
+                  <a:txBody>
+                    <a:bodyPr/>
+                    <a:lstStyle/>
+                    <a:p>
+                      <a:pPr algn="l" fontAlgn="b"/>
+                      <a:r>
+                        <a:rPr lang="es-ES" sz="1100" u="none" strike="noStrike">
+                          <a:effectLst/>
+                        </a:rPr>
+                        <a:t>2-4 </a:t>
+                      </a:r>
+                      <a:endParaRPr lang="es-ES" sz="1100" b="0" i="0" u="none" strike="noStrike">
+                        <a:solidFill>
+                          <a:srgbClr val="000000"/>
+                        </a:solidFill>
+                        <a:effectLst/>
+                        <a:latin typeface="Calibri" panose="020F0502020204030204" pitchFamily="34" charset="0"/>
+                      </a:endParaRPr>
+                    </a:p>
+                  </a:txBody>
+                  <a:tcPr marL="6350" marR="6350" marT="6350" marB="0" anchor="b"/>
+                </a:tc>
+                <a:extLst>
+                  <a:ext uri="{0D108BD9-81ED-4DB2-BD59-A6C34878D82A}">
+                    <a16:rowId xmlns:a16="http://schemas.microsoft.com/office/drawing/2014/main" val="1004249197"/>
+                  </a:ext>
+                </a:extLst>
+              </a:tr>
+              <a:tr h="184150">
+                <a:tc>
+                  <a:txBody>
+                    <a:bodyPr/>
+                    <a:lstStyle/>
+                    <a:p>
+                      <a:pPr algn="l" fontAlgn="b"/>
+                      <a:r>
+                        <a:rPr lang="es-ES" sz="1100" u="none" strike="noStrike">
+                          <a:effectLst/>
+                        </a:rPr>
+                        <a:t>Ethereum</a:t>
+                      </a:r>
+                      <a:endParaRPr lang="es-ES" sz="1100" b="0" i="0" u="none" strike="noStrike">
+                        <a:solidFill>
+                          <a:srgbClr val="000000"/>
+                        </a:solidFill>
+                        <a:effectLst/>
+                        <a:latin typeface="Calibri" panose="020F0502020204030204" pitchFamily="34" charset="0"/>
+                      </a:endParaRPr>
+                    </a:p>
+                  </a:txBody>
+                  <a:tcPr marL="6350" marR="6350" marT="6350" marB="0" anchor="b"/>
+                </a:tc>
+                <a:tc>
+                  <a:txBody>
+                    <a:bodyPr/>
+                    <a:lstStyle/>
+                    <a:p>
+                      <a:pPr algn="l" fontAlgn="b"/>
+                      <a:r>
+                        <a:rPr lang="es-ES" sz="1100" u="none" strike="noStrike">
+                          <a:effectLst/>
+                        </a:rPr>
+                        <a:t>Blockchain</a:t>
+                      </a:r>
+                      <a:endParaRPr lang="es-ES" sz="1100" b="0" i="0" u="none" strike="noStrike">
+                        <a:solidFill>
+                          <a:srgbClr val="000000"/>
+                        </a:solidFill>
+                        <a:effectLst/>
+                        <a:latin typeface="Calibri" panose="020F0502020204030204" pitchFamily="34" charset="0"/>
+                      </a:endParaRPr>
+                    </a:p>
+                  </a:txBody>
+                  <a:tcPr marL="6350" marR="6350" marT="6350" marB="0" anchor="b"/>
+                </a:tc>
+                <a:tc>
+                  <a:txBody>
+                    <a:bodyPr/>
+                    <a:lstStyle/>
+                    <a:p>
+                      <a:pPr algn="l" fontAlgn="b"/>
+                      <a:r>
+                        <a:rPr lang="es-ES" sz="1100" u="none" strike="noStrike">
+                          <a:effectLst/>
+                        </a:rPr>
+                        <a:t>Pública</a:t>
+                      </a:r>
+                      <a:endParaRPr lang="es-ES" sz="1100" b="0" i="0" u="none" strike="noStrike">
+                        <a:solidFill>
+                          <a:srgbClr val="000000"/>
+                        </a:solidFill>
+                        <a:effectLst/>
+                        <a:latin typeface="Calibri" panose="020F0502020204030204" pitchFamily="34" charset="0"/>
+                      </a:endParaRPr>
+                    </a:p>
+                  </a:txBody>
+                  <a:tcPr marL="6350" marR="6350" marT="6350" marB="0" anchor="b"/>
+                </a:tc>
+                <a:tc>
+                  <a:txBody>
+                    <a:bodyPr/>
+                    <a:lstStyle/>
+                    <a:p>
+                      <a:pPr algn="l" fontAlgn="b"/>
+                      <a:r>
+                        <a:rPr lang="es-ES" sz="1100" u="none" strike="noStrike">
+                          <a:effectLst/>
+                        </a:rPr>
+                        <a:t>Proof of Work </a:t>
+                      </a:r>
+                      <a:endParaRPr lang="es-ES" sz="1100" b="0" i="0" u="none" strike="noStrike">
+                        <a:solidFill>
+                          <a:srgbClr val="000000"/>
+                        </a:solidFill>
+                        <a:effectLst/>
+                        <a:latin typeface="Calibri" panose="020F0502020204030204" pitchFamily="34" charset="0"/>
+                      </a:endParaRPr>
+                    </a:p>
+                  </a:txBody>
+                  <a:tcPr marL="6350" marR="6350" marT="6350" marB="0" anchor="b"/>
+                </a:tc>
+                <a:tc>
+                  <a:txBody>
+                    <a:bodyPr/>
+                    <a:lstStyle/>
+                    <a:p>
+                      <a:pPr algn="l" fontAlgn="b"/>
+                      <a:r>
+                        <a:rPr lang="es-ES" sz="1100" u="none" strike="noStrike">
+                          <a:effectLst/>
+                        </a:rPr>
+                        <a:t>5-7</a:t>
+                      </a:r>
+                      <a:endParaRPr lang="es-ES" sz="1100" b="0" i="0" u="none" strike="noStrike">
+                        <a:solidFill>
+                          <a:srgbClr val="000000"/>
+                        </a:solidFill>
+                        <a:effectLst/>
+                        <a:latin typeface="Calibri" panose="020F0502020204030204" pitchFamily="34" charset="0"/>
+                      </a:endParaRPr>
+                    </a:p>
+                  </a:txBody>
+                  <a:tcPr marL="6350" marR="6350" marT="6350" marB="0" anchor="b"/>
+                </a:tc>
+                <a:extLst>
+                  <a:ext uri="{0D108BD9-81ED-4DB2-BD59-A6C34878D82A}">
+                    <a16:rowId xmlns:a16="http://schemas.microsoft.com/office/drawing/2014/main" val="1493956599"/>
+                  </a:ext>
+                </a:extLst>
+              </a:tr>
+              <a:tr h="184150">
+                <a:tc>
+                  <a:txBody>
+                    <a:bodyPr/>
+                    <a:lstStyle/>
+                    <a:p>
+                      <a:pPr algn="l" fontAlgn="b"/>
+                      <a:r>
+                        <a:rPr lang="es-ES" sz="1100" u="none" strike="noStrike">
+                          <a:effectLst/>
+                        </a:rPr>
+                        <a:t>Hyperledger Fabric</a:t>
+                      </a:r>
+                      <a:endParaRPr lang="es-ES" sz="1100" b="0" i="0" u="none" strike="noStrike">
+                        <a:solidFill>
+                          <a:srgbClr val="000000"/>
+                        </a:solidFill>
+                        <a:effectLst/>
+                        <a:latin typeface="Calibri" panose="020F0502020204030204" pitchFamily="34" charset="0"/>
+                      </a:endParaRPr>
+                    </a:p>
+                  </a:txBody>
+                  <a:tcPr marL="6350" marR="6350" marT="6350" marB="0" anchor="b"/>
+                </a:tc>
+                <a:tc>
+                  <a:txBody>
+                    <a:bodyPr/>
+                    <a:lstStyle/>
+                    <a:p>
+                      <a:pPr algn="l" fontAlgn="b"/>
+                      <a:r>
+                        <a:rPr lang="es-ES" sz="1100" u="none" strike="noStrike">
+                          <a:effectLst/>
+                        </a:rPr>
+                        <a:t>Blockchain</a:t>
+                      </a:r>
+                      <a:endParaRPr lang="es-ES" sz="1100" b="0" i="0" u="none" strike="noStrike">
+                        <a:solidFill>
+                          <a:srgbClr val="000000"/>
+                        </a:solidFill>
+                        <a:effectLst/>
+                        <a:latin typeface="Calibri" panose="020F0502020204030204" pitchFamily="34" charset="0"/>
+                      </a:endParaRPr>
+                    </a:p>
+                  </a:txBody>
+                  <a:tcPr marL="6350" marR="6350" marT="6350" marB="0" anchor="b"/>
+                </a:tc>
+                <a:tc>
+                  <a:txBody>
+                    <a:bodyPr/>
+                    <a:lstStyle/>
+                    <a:p>
+                      <a:pPr algn="l" fontAlgn="b"/>
+                      <a:r>
+                        <a:rPr lang="es-ES" sz="1100" u="none" strike="noStrike" dirty="0">
+                          <a:effectLst/>
+                        </a:rPr>
+                        <a:t>Permisionada</a:t>
+                      </a:r>
+                      <a:endParaRPr lang="es-ES" sz="1100" b="0" i="0" u="none" strike="noStrike" dirty="0">
+                        <a:solidFill>
+                          <a:srgbClr val="000000"/>
+                        </a:solidFill>
+                        <a:effectLst/>
+                        <a:latin typeface="Calibri" panose="020F0502020204030204" pitchFamily="34" charset="0"/>
+                      </a:endParaRPr>
+                    </a:p>
+                  </a:txBody>
+                  <a:tcPr marL="6350" marR="6350" marT="6350" marB="0" anchor="b"/>
+                </a:tc>
+                <a:tc>
+                  <a:txBody>
+                    <a:bodyPr/>
+                    <a:lstStyle/>
+                    <a:p>
+                      <a:pPr algn="l" fontAlgn="b"/>
+                      <a:r>
+                        <a:rPr lang="es-ES" sz="1100" u="none" strike="noStrike">
+                          <a:effectLst/>
+                        </a:rPr>
+                        <a:t>Byzantine Fault Tolerance</a:t>
+                      </a:r>
+                      <a:endParaRPr lang="es-ES" sz="1100" b="0" i="0" u="none" strike="noStrike">
+                        <a:solidFill>
+                          <a:srgbClr val="000000"/>
+                        </a:solidFill>
+                        <a:effectLst/>
+                        <a:latin typeface="Calibri" panose="020F0502020204030204" pitchFamily="34" charset="0"/>
+                      </a:endParaRPr>
+                    </a:p>
+                  </a:txBody>
+                  <a:tcPr marL="6350" marR="6350" marT="6350" marB="0" anchor="b"/>
+                </a:tc>
+                <a:tc>
+                  <a:txBody>
+                    <a:bodyPr/>
+                    <a:lstStyle/>
+                    <a:p>
+                      <a:pPr algn="l" fontAlgn="b"/>
+                      <a:r>
+                        <a:rPr lang="es-ES" sz="1100" u="none" strike="noStrike" dirty="0">
+                          <a:effectLst/>
+                        </a:rPr>
+                        <a:t>3.500</a:t>
+                      </a:r>
+                      <a:endParaRPr lang="es-ES" sz="1100" b="0" i="0" u="none" strike="noStrike" dirty="0">
+                        <a:solidFill>
+                          <a:srgbClr val="000000"/>
+                        </a:solidFill>
+                        <a:effectLst/>
+                        <a:latin typeface="Calibri" panose="020F0502020204030204" pitchFamily="34" charset="0"/>
+                      </a:endParaRPr>
+                    </a:p>
+                  </a:txBody>
+                  <a:tcPr marL="6350" marR="6350" marT="6350" marB="0" anchor="b"/>
+                </a:tc>
+                <a:extLst>
+                  <a:ext uri="{0D108BD9-81ED-4DB2-BD59-A6C34878D82A}">
+                    <a16:rowId xmlns:a16="http://schemas.microsoft.com/office/drawing/2014/main" val="416551363"/>
+                  </a:ext>
+                </a:extLst>
+              </a:tr>
+              <a:tr h="184150">
+                <a:tc>
+                  <a:txBody>
+                    <a:bodyPr/>
+                    <a:lstStyle/>
+                    <a:p>
+                      <a:pPr algn="l" fontAlgn="b"/>
+                      <a:r>
+                        <a:rPr lang="es-ES" sz="1100" u="none" strike="noStrike">
+                          <a:effectLst/>
+                        </a:rPr>
+                        <a:t>Hyperledger Sawtooth</a:t>
+                      </a:r>
+                      <a:endParaRPr lang="es-ES" sz="1100" b="0" i="0" u="none" strike="noStrike">
+                        <a:solidFill>
+                          <a:srgbClr val="000000"/>
+                        </a:solidFill>
+                        <a:effectLst/>
+                        <a:latin typeface="Calibri" panose="020F0502020204030204" pitchFamily="34" charset="0"/>
+                      </a:endParaRPr>
+                    </a:p>
+                  </a:txBody>
+                  <a:tcPr marL="6350" marR="6350" marT="6350" marB="0" anchor="b"/>
+                </a:tc>
+                <a:tc>
+                  <a:txBody>
+                    <a:bodyPr/>
+                    <a:lstStyle/>
+                    <a:p>
+                      <a:pPr algn="l" fontAlgn="b"/>
+                      <a:r>
+                        <a:rPr lang="es-ES" sz="1100" u="none" strike="noStrike">
+                          <a:effectLst/>
+                        </a:rPr>
+                        <a:t>Blockchain</a:t>
+                      </a:r>
+                      <a:endParaRPr lang="es-ES" sz="1100" b="0" i="0" u="none" strike="noStrike">
+                        <a:solidFill>
+                          <a:srgbClr val="000000"/>
+                        </a:solidFill>
+                        <a:effectLst/>
+                        <a:latin typeface="Calibri" panose="020F0502020204030204" pitchFamily="34" charset="0"/>
+                      </a:endParaRPr>
+                    </a:p>
+                  </a:txBody>
+                  <a:tcPr marL="6350" marR="6350" marT="6350" marB="0" anchor="b"/>
+                </a:tc>
+                <a:tc>
+                  <a:txBody>
+                    <a:bodyPr/>
+                    <a:lstStyle/>
+                    <a:p>
+                      <a:pPr algn="l" fontAlgn="b"/>
+                      <a:r>
+                        <a:rPr lang="es-ES" sz="1100" u="none" strike="noStrike">
+                          <a:effectLst/>
+                        </a:rPr>
+                        <a:t>Permisionada</a:t>
+                      </a:r>
+                      <a:endParaRPr lang="es-ES" sz="1100" b="0" i="0" u="none" strike="noStrike">
+                        <a:solidFill>
+                          <a:srgbClr val="000000"/>
+                        </a:solidFill>
+                        <a:effectLst/>
+                        <a:latin typeface="Calibri" panose="020F0502020204030204" pitchFamily="34" charset="0"/>
+                      </a:endParaRPr>
+                    </a:p>
+                  </a:txBody>
+                  <a:tcPr marL="6350" marR="6350" marT="6350" marB="0" anchor="b"/>
+                </a:tc>
+                <a:tc>
+                  <a:txBody>
+                    <a:bodyPr/>
+                    <a:lstStyle/>
+                    <a:p>
+                      <a:pPr algn="l" fontAlgn="b"/>
+                      <a:r>
+                        <a:rPr lang="es-ES" sz="1100" u="none" strike="noStrike">
+                          <a:effectLst/>
+                        </a:rPr>
+                        <a:t>Proof of Elapsed Time</a:t>
+                      </a:r>
+                      <a:endParaRPr lang="es-ES" sz="1100" b="0" i="0" u="none" strike="noStrike">
+                        <a:solidFill>
+                          <a:srgbClr val="000000"/>
+                        </a:solidFill>
+                        <a:effectLst/>
+                        <a:latin typeface="Calibri" panose="020F0502020204030204" pitchFamily="34" charset="0"/>
+                      </a:endParaRPr>
+                    </a:p>
+                  </a:txBody>
+                  <a:tcPr marL="6350" marR="6350" marT="6350" marB="0" anchor="b"/>
+                </a:tc>
+                <a:tc>
+                  <a:txBody>
+                    <a:bodyPr/>
+                    <a:lstStyle/>
+                    <a:p>
+                      <a:pPr algn="l" fontAlgn="b"/>
+                      <a:r>
+                        <a:rPr lang="es-ES" sz="1100" u="none" strike="noStrike">
+                          <a:effectLst/>
+                        </a:rPr>
+                        <a:t>100x</a:t>
+                      </a:r>
+                      <a:endParaRPr lang="es-ES" sz="1100" b="0" i="0" u="none" strike="noStrike">
+                        <a:solidFill>
+                          <a:srgbClr val="000000"/>
+                        </a:solidFill>
+                        <a:effectLst/>
+                        <a:latin typeface="Calibri" panose="020F0502020204030204" pitchFamily="34" charset="0"/>
+                      </a:endParaRPr>
+                    </a:p>
+                  </a:txBody>
+                  <a:tcPr marL="6350" marR="6350" marT="6350" marB="0" anchor="b"/>
+                </a:tc>
+                <a:extLst>
+                  <a:ext uri="{0D108BD9-81ED-4DB2-BD59-A6C34878D82A}">
+                    <a16:rowId xmlns:a16="http://schemas.microsoft.com/office/drawing/2014/main" val="3712408635"/>
+                  </a:ext>
+                </a:extLst>
+              </a:tr>
+              <a:tr h="184150">
+                <a:tc>
+                  <a:txBody>
+                    <a:bodyPr/>
+                    <a:lstStyle/>
+                    <a:p>
+                      <a:pPr algn="l" fontAlgn="b"/>
+                      <a:r>
+                        <a:rPr lang="es-ES" sz="1100" u="none" strike="noStrike">
+                          <a:effectLst/>
+                        </a:rPr>
+                        <a:t>Alastria</a:t>
+                      </a:r>
+                      <a:endParaRPr lang="es-ES" sz="1100" b="0" i="0" u="none" strike="noStrike">
+                        <a:solidFill>
+                          <a:srgbClr val="000000"/>
+                        </a:solidFill>
+                        <a:effectLst/>
+                        <a:latin typeface="Calibri" panose="020F0502020204030204" pitchFamily="34" charset="0"/>
+                      </a:endParaRPr>
+                    </a:p>
+                  </a:txBody>
+                  <a:tcPr marL="6350" marR="6350" marT="6350" marB="0" anchor="b"/>
+                </a:tc>
+                <a:tc>
+                  <a:txBody>
+                    <a:bodyPr/>
+                    <a:lstStyle/>
+                    <a:p>
+                      <a:pPr algn="l" fontAlgn="b"/>
+                      <a:r>
+                        <a:rPr lang="es-ES" sz="1100" u="none" strike="noStrike">
+                          <a:effectLst/>
+                        </a:rPr>
+                        <a:t>Blockchain</a:t>
+                      </a:r>
+                      <a:endParaRPr lang="es-ES" sz="1100" b="0" i="0" u="none" strike="noStrike">
+                        <a:solidFill>
+                          <a:srgbClr val="000000"/>
+                        </a:solidFill>
+                        <a:effectLst/>
+                        <a:latin typeface="Calibri" panose="020F0502020204030204" pitchFamily="34" charset="0"/>
+                      </a:endParaRPr>
+                    </a:p>
+                  </a:txBody>
+                  <a:tcPr marL="6350" marR="6350" marT="6350" marB="0" anchor="b"/>
+                </a:tc>
+                <a:tc>
+                  <a:txBody>
+                    <a:bodyPr/>
+                    <a:lstStyle/>
+                    <a:p>
+                      <a:pPr algn="l" fontAlgn="b"/>
+                      <a:r>
+                        <a:rPr lang="es-ES" sz="1100" u="none" strike="noStrike">
+                          <a:effectLst/>
+                        </a:rPr>
+                        <a:t>Permisionada</a:t>
+                      </a:r>
+                      <a:endParaRPr lang="es-ES" sz="1100" b="0" i="0" u="none" strike="noStrike">
+                        <a:solidFill>
+                          <a:srgbClr val="000000"/>
+                        </a:solidFill>
+                        <a:effectLst/>
+                        <a:latin typeface="Calibri" panose="020F0502020204030204" pitchFamily="34" charset="0"/>
+                      </a:endParaRPr>
+                    </a:p>
+                  </a:txBody>
+                  <a:tcPr marL="6350" marR="6350" marT="6350" marB="0" anchor="b"/>
+                </a:tc>
+                <a:tc>
+                  <a:txBody>
+                    <a:bodyPr/>
+                    <a:lstStyle/>
+                    <a:p>
+                      <a:pPr algn="l" fontAlgn="b"/>
+                      <a:r>
+                        <a:rPr lang="es-ES" sz="1100" u="none" strike="noStrike">
+                          <a:effectLst/>
+                        </a:rPr>
+                        <a:t>Instambul BFT</a:t>
+                      </a:r>
+                      <a:endParaRPr lang="es-ES" sz="1100" b="0" i="0" u="none" strike="noStrike">
+                        <a:solidFill>
+                          <a:srgbClr val="000000"/>
+                        </a:solidFill>
+                        <a:effectLst/>
+                        <a:latin typeface="Calibri" panose="020F0502020204030204" pitchFamily="34" charset="0"/>
+                      </a:endParaRPr>
+                    </a:p>
+                  </a:txBody>
+                  <a:tcPr marL="6350" marR="6350" marT="6350" marB="0" anchor="b"/>
+                </a:tc>
+                <a:tc>
+                  <a:txBody>
+                    <a:bodyPr/>
+                    <a:lstStyle/>
+                    <a:p>
+                      <a:pPr algn="l" fontAlgn="b"/>
+                      <a:r>
+                        <a:rPr lang="es-ES" sz="1100" u="none" strike="noStrike">
+                          <a:effectLst/>
+                        </a:rPr>
+                        <a:t>100x</a:t>
+                      </a:r>
+                      <a:endParaRPr lang="es-ES" sz="1100" b="0" i="0" u="none" strike="noStrike">
+                        <a:solidFill>
+                          <a:srgbClr val="000000"/>
+                        </a:solidFill>
+                        <a:effectLst/>
+                        <a:latin typeface="Calibri" panose="020F0502020204030204" pitchFamily="34" charset="0"/>
+                      </a:endParaRPr>
+                    </a:p>
+                  </a:txBody>
+                  <a:tcPr marL="6350" marR="6350" marT="6350" marB="0" anchor="b"/>
+                </a:tc>
+                <a:extLst>
+                  <a:ext uri="{0D108BD9-81ED-4DB2-BD59-A6C34878D82A}">
+                    <a16:rowId xmlns:a16="http://schemas.microsoft.com/office/drawing/2014/main" val="3189703991"/>
+                  </a:ext>
+                </a:extLst>
+              </a:tr>
+              <a:tr h="184150">
+                <a:tc>
+                  <a:txBody>
+                    <a:bodyPr/>
+                    <a:lstStyle/>
+                    <a:p>
+                      <a:pPr algn="l" fontAlgn="b"/>
+                      <a:r>
+                        <a:rPr lang="es-ES" sz="1100" u="none" strike="noStrike">
+                          <a:effectLst/>
+                        </a:rPr>
+                        <a:t>IOTA</a:t>
+                      </a:r>
+                      <a:endParaRPr lang="es-ES" sz="1100" b="0" i="0" u="none" strike="noStrike">
+                        <a:solidFill>
+                          <a:srgbClr val="000000"/>
+                        </a:solidFill>
+                        <a:effectLst/>
+                        <a:latin typeface="Calibri" panose="020F0502020204030204" pitchFamily="34" charset="0"/>
+                      </a:endParaRPr>
+                    </a:p>
+                  </a:txBody>
+                  <a:tcPr marL="6350" marR="6350" marT="6350" marB="0" anchor="b"/>
+                </a:tc>
+                <a:tc>
+                  <a:txBody>
+                    <a:bodyPr/>
+                    <a:lstStyle/>
+                    <a:p>
+                      <a:pPr algn="l" fontAlgn="b"/>
+                      <a:r>
+                        <a:rPr lang="es-ES" sz="1100" u="none" strike="noStrike">
+                          <a:effectLst/>
+                        </a:rPr>
+                        <a:t>Tangle</a:t>
+                      </a:r>
+                      <a:endParaRPr lang="es-ES" sz="1100" b="0" i="0" u="none" strike="noStrike">
+                        <a:solidFill>
+                          <a:srgbClr val="000000"/>
+                        </a:solidFill>
+                        <a:effectLst/>
+                        <a:latin typeface="Calibri" panose="020F0502020204030204" pitchFamily="34" charset="0"/>
+                      </a:endParaRPr>
+                    </a:p>
+                  </a:txBody>
+                  <a:tcPr marL="6350" marR="6350" marT="6350" marB="0" anchor="b"/>
+                </a:tc>
+                <a:tc>
+                  <a:txBody>
+                    <a:bodyPr/>
+                    <a:lstStyle/>
+                    <a:p>
+                      <a:pPr algn="l" fontAlgn="b"/>
+                      <a:r>
+                        <a:rPr lang="es-ES" sz="1100" u="none" strike="noStrike">
+                          <a:effectLst/>
+                        </a:rPr>
+                        <a:t>Pública</a:t>
+                      </a:r>
+                      <a:endParaRPr lang="es-ES" sz="1100" b="0" i="0" u="none" strike="noStrike">
+                        <a:solidFill>
+                          <a:srgbClr val="000000"/>
+                        </a:solidFill>
+                        <a:effectLst/>
+                        <a:latin typeface="Calibri" panose="020F0502020204030204" pitchFamily="34" charset="0"/>
+                      </a:endParaRPr>
+                    </a:p>
+                  </a:txBody>
+                  <a:tcPr marL="6350" marR="6350" marT="6350" marB="0" anchor="b"/>
+                </a:tc>
+                <a:tc>
+                  <a:txBody>
+                    <a:bodyPr/>
+                    <a:lstStyle/>
+                    <a:p>
+                      <a:pPr algn="l" fontAlgn="b"/>
+                      <a:r>
+                        <a:rPr lang="es-ES" sz="1100" u="none" strike="noStrike">
+                          <a:effectLst/>
+                        </a:rPr>
+                        <a:t>Markov Chain Monte Carlo</a:t>
+                      </a:r>
+                      <a:endParaRPr lang="es-ES" sz="1100" b="0" i="0" u="none" strike="noStrike">
+                        <a:solidFill>
+                          <a:srgbClr val="000000"/>
+                        </a:solidFill>
+                        <a:effectLst/>
+                        <a:latin typeface="Calibri" panose="020F0502020204030204" pitchFamily="34" charset="0"/>
+                      </a:endParaRPr>
+                    </a:p>
+                  </a:txBody>
+                  <a:tcPr marL="6350" marR="6350" marT="6350" marB="0" anchor="b"/>
+                </a:tc>
+                <a:tc>
+                  <a:txBody>
+                    <a:bodyPr/>
+                    <a:lstStyle/>
+                    <a:p>
+                      <a:pPr algn="l" fontAlgn="b"/>
+                      <a:r>
+                        <a:rPr lang="es-ES" sz="1100" u="none" strike="noStrike" dirty="0">
+                          <a:effectLst/>
+                        </a:rPr>
+                        <a:t>1.000.000</a:t>
+                      </a:r>
+                      <a:endParaRPr lang="es-ES" sz="1100" b="0" i="0" u="none" strike="noStrike" dirty="0">
+                        <a:solidFill>
+                          <a:srgbClr val="000000"/>
+                        </a:solidFill>
+                        <a:effectLst/>
+                        <a:latin typeface="Calibri" panose="020F0502020204030204" pitchFamily="34" charset="0"/>
+                      </a:endParaRPr>
+                    </a:p>
+                  </a:txBody>
+                  <a:tcPr marL="6350" marR="6350" marT="6350" marB="0" anchor="b"/>
+                </a:tc>
+                <a:extLst>
+                  <a:ext uri="{0D108BD9-81ED-4DB2-BD59-A6C34878D82A}">
+                    <a16:rowId xmlns:a16="http://schemas.microsoft.com/office/drawing/2014/main" val="2594509129"/>
+                  </a:ext>
+                </a:extLst>
+              </a:tr>
+              <a:tr h="184150">
+                <a:tc>
+                  <a:txBody>
+                    <a:bodyPr/>
+                    <a:lstStyle/>
+                    <a:p>
+                      <a:pPr algn="l" fontAlgn="b"/>
+                      <a:r>
+                        <a:rPr lang="es-ES" sz="1100" u="none" strike="noStrike">
+                          <a:effectLst/>
+                        </a:rPr>
+                        <a:t>Hedera</a:t>
+                      </a:r>
+                      <a:endParaRPr lang="es-ES" sz="1100" b="0" i="0" u="none" strike="noStrike">
+                        <a:solidFill>
+                          <a:srgbClr val="000000"/>
+                        </a:solidFill>
+                        <a:effectLst/>
+                        <a:latin typeface="Calibri" panose="020F0502020204030204" pitchFamily="34" charset="0"/>
+                      </a:endParaRPr>
+                    </a:p>
+                  </a:txBody>
+                  <a:tcPr marL="6350" marR="6350" marT="6350" marB="0" anchor="b"/>
+                </a:tc>
+                <a:tc>
+                  <a:txBody>
+                    <a:bodyPr/>
+                    <a:lstStyle/>
+                    <a:p>
+                      <a:pPr algn="l" fontAlgn="b"/>
+                      <a:r>
+                        <a:rPr lang="es-ES" sz="1100" u="none" strike="noStrike">
+                          <a:effectLst/>
+                        </a:rPr>
+                        <a:t>Hashgraph</a:t>
+                      </a:r>
+                      <a:endParaRPr lang="es-ES" sz="1100" b="0" i="0" u="none" strike="noStrike">
+                        <a:solidFill>
+                          <a:srgbClr val="000000"/>
+                        </a:solidFill>
+                        <a:effectLst/>
+                        <a:latin typeface="Calibri" panose="020F0502020204030204" pitchFamily="34" charset="0"/>
+                      </a:endParaRPr>
+                    </a:p>
+                  </a:txBody>
+                  <a:tcPr marL="6350" marR="6350" marT="6350" marB="0" anchor="b"/>
+                </a:tc>
+                <a:tc>
+                  <a:txBody>
+                    <a:bodyPr/>
+                    <a:lstStyle/>
+                    <a:p>
+                      <a:pPr algn="l" fontAlgn="b"/>
+                      <a:r>
+                        <a:rPr lang="es-ES" sz="1100" u="none" strike="noStrike">
+                          <a:effectLst/>
+                        </a:rPr>
+                        <a:t>Permisionada</a:t>
+                      </a:r>
+                      <a:endParaRPr lang="es-ES" sz="1100" b="0" i="0" u="none" strike="noStrike">
+                        <a:solidFill>
+                          <a:srgbClr val="000000"/>
+                        </a:solidFill>
+                        <a:effectLst/>
+                        <a:latin typeface="Calibri" panose="020F0502020204030204" pitchFamily="34" charset="0"/>
+                      </a:endParaRPr>
+                    </a:p>
+                  </a:txBody>
+                  <a:tcPr marL="6350" marR="6350" marT="6350" marB="0" anchor="b"/>
+                </a:tc>
+                <a:tc>
+                  <a:txBody>
+                    <a:bodyPr/>
+                    <a:lstStyle/>
+                    <a:p>
+                      <a:pPr algn="l" fontAlgn="b"/>
+                      <a:r>
+                        <a:rPr lang="es-ES" sz="1100" u="none" strike="noStrike">
+                          <a:effectLst/>
+                        </a:rPr>
+                        <a:t>Gossip Protocol</a:t>
+                      </a:r>
+                      <a:endParaRPr lang="es-ES" sz="1100" b="0" i="0" u="none" strike="noStrike">
+                        <a:solidFill>
+                          <a:srgbClr val="000000"/>
+                        </a:solidFill>
+                        <a:effectLst/>
+                        <a:latin typeface="Calibri" panose="020F0502020204030204" pitchFamily="34" charset="0"/>
+                      </a:endParaRPr>
+                    </a:p>
+                  </a:txBody>
+                  <a:tcPr marL="6350" marR="6350" marT="6350" marB="0" anchor="b"/>
+                </a:tc>
+                <a:tc>
+                  <a:txBody>
+                    <a:bodyPr/>
+                    <a:lstStyle/>
+                    <a:p>
+                      <a:pPr algn="l" fontAlgn="b"/>
+                      <a:r>
+                        <a:rPr lang="es-ES" sz="1100" u="none" strike="noStrike" dirty="0">
+                          <a:effectLst/>
+                        </a:rPr>
+                        <a:t>250.000</a:t>
+                      </a:r>
+                      <a:endParaRPr lang="es-ES" sz="1100" b="0" i="0" u="none" strike="noStrike" dirty="0">
+                        <a:solidFill>
+                          <a:srgbClr val="000000"/>
+                        </a:solidFill>
+                        <a:effectLst/>
+                        <a:latin typeface="Calibri" panose="020F0502020204030204" pitchFamily="34" charset="0"/>
+                      </a:endParaRPr>
+                    </a:p>
+                  </a:txBody>
+                  <a:tcPr marL="6350" marR="6350" marT="6350" marB="0" anchor="b"/>
+                </a:tc>
+                <a:extLst>
+                  <a:ext uri="{0D108BD9-81ED-4DB2-BD59-A6C34878D82A}">
+                    <a16:rowId xmlns:a16="http://schemas.microsoft.com/office/drawing/2014/main" val="181993639"/>
+                  </a:ext>
+                </a:extLst>
+              </a:tr>
+            </a:tbl>
+          </a:graphicData>
+        </a:graphic>
+      </p:graphicFrame>
+      <p:graphicFrame>
+        <p:nvGraphicFramePr>
+          <p:cNvPr id="6" name="Tabla 5">
+            <a:extLst>
+              <a:ext uri="{FF2B5EF4-FFF2-40B4-BE49-F238E27FC236}">
+                <a16:creationId xmlns:a16="http://schemas.microsoft.com/office/drawing/2014/main" id="{E9544FEA-230C-4BE6-B0E2-58C5630F1A67}"/>
+              </a:ext>
+            </a:extLst>
+          </p:cNvPr>
+          <p:cNvGraphicFramePr>
+            <a:graphicFrameLocks noGrp="1"/>
+          </p:cNvGraphicFramePr>
+          <p:nvPr>
+            <p:extLst>
+              <p:ext uri="{D42A27DB-BD31-4B8C-83A1-F6EECF244321}">
+                <p14:modId xmlns:p14="http://schemas.microsoft.com/office/powerpoint/2010/main" val="2499600109"/>
+              </p:ext>
+            </p:extLst>
+          </p:nvPr>
+        </p:nvGraphicFramePr>
+        <p:xfrm>
+          <a:off x="2381250" y="2692400"/>
+          <a:ext cx="7429500" cy="1473200"/>
+        </p:xfrm>
+        <a:graphic>
+          <a:graphicData uri="http://schemas.openxmlformats.org/drawingml/2006/table">
+            <a:tbl>
+              <a:tblPr firstRow="1" firstCol="1" bandRow="1">
+                <a:tableStyleId>{073A0DAA-6AF3-43AB-8588-CEC1D06C72B9}</a:tableStyleId>
+              </a:tblPr>
+              <a:tblGrid>
+                <a:gridCol w="1358900">
+                  <a:extLst>
+                    <a:ext uri="{9D8B030D-6E8A-4147-A177-3AD203B41FA5}">
+                      <a16:colId xmlns:a16="http://schemas.microsoft.com/office/drawing/2014/main" val="2107049309"/>
+                    </a:ext>
+                  </a:extLst>
+                </a:gridCol>
+                <a:gridCol w="825500">
+                  <a:extLst>
+                    <a:ext uri="{9D8B030D-6E8A-4147-A177-3AD203B41FA5}">
+                      <a16:colId xmlns:a16="http://schemas.microsoft.com/office/drawing/2014/main" val="822018490"/>
+                    </a:ext>
+                  </a:extLst>
+                </a:gridCol>
+                <a:gridCol w="1473200">
+                  <a:extLst>
+                    <a:ext uri="{9D8B030D-6E8A-4147-A177-3AD203B41FA5}">
+                      <a16:colId xmlns:a16="http://schemas.microsoft.com/office/drawing/2014/main" val="1304285227"/>
+                    </a:ext>
+                  </a:extLst>
+                </a:gridCol>
+                <a:gridCol w="1638300">
+                  <a:extLst>
+                    <a:ext uri="{9D8B030D-6E8A-4147-A177-3AD203B41FA5}">
+                      <a16:colId xmlns:a16="http://schemas.microsoft.com/office/drawing/2014/main" val="2505752386"/>
+                    </a:ext>
+                  </a:extLst>
+                </a:gridCol>
+                <a:gridCol w="2133600">
+                  <a:extLst>
+                    <a:ext uri="{9D8B030D-6E8A-4147-A177-3AD203B41FA5}">
+                      <a16:colId xmlns:a16="http://schemas.microsoft.com/office/drawing/2014/main" val="2417520523"/>
+                    </a:ext>
+                  </a:extLst>
+                </a:gridCol>
+              </a:tblGrid>
+              <a:tr h="184150">
+                <a:tc>
+                  <a:txBody>
+                    <a:bodyPr/>
+                    <a:lstStyle/>
+                    <a:p>
+                      <a:pPr algn="l" fontAlgn="b"/>
+                      <a:r>
+                        <a:rPr lang="es-ES" sz="1100" u="none" strike="noStrike">
+                          <a:effectLst/>
+                        </a:rPr>
+                        <a:t>Nombre</a:t>
+                      </a:r>
+                      <a:endParaRPr lang="es-ES" sz="1100" b="1" i="0" u="none" strike="noStrike">
+                        <a:solidFill>
+                          <a:srgbClr val="FFFFFF"/>
+                        </a:solidFill>
+                        <a:effectLst/>
+                        <a:latin typeface="Calibri" panose="020F0502020204030204" pitchFamily="34" charset="0"/>
+                      </a:endParaRPr>
+                    </a:p>
+                  </a:txBody>
+                  <a:tcPr marL="6350" marR="6350" marT="6350" marB="0" anchor="b"/>
+                </a:tc>
+                <a:tc>
+                  <a:txBody>
+                    <a:bodyPr/>
+                    <a:lstStyle/>
+                    <a:p>
+                      <a:pPr algn="l" fontAlgn="b"/>
+                      <a:r>
+                        <a:rPr lang="es-ES" sz="1100" u="none" strike="noStrike">
+                          <a:effectLst/>
+                        </a:rPr>
+                        <a:t>Tecnología</a:t>
+                      </a:r>
+                      <a:endParaRPr lang="es-ES" sz="1100" b="1" i="0" u="none" strike="noStrike">
+                        <a:solidFill>
+                          <a:srgbClr val="FFFFFF"/>
+                        </a:solidFill>
+                        <a:effectLst/>
+                        <a:latin typeface="Calibri" panose="020F0502020204030204" pitchFamily="34" charset="0"/>
+                      </a:endParaRPr>
+                    </a:p>
+                  </a:txBody>
+                  <a:tcPr marL="6350" marR="6350" marT="6350" marB="0" anchor="b"/>
+                </a:tc>
+                <a:tc>
+                  <a:txBody>
+                    <a:bodyPr/>
+                    <a:lstStyle/>
+                    <a:p>
+                      <a:pPr algn="l" fontAlgn="b"/>
+                      <a:r>
+                        <a:rPr lang="es-ES" sz="1100" u="none" strike="noStrike">
+                          <a:effectLst/>
+                        </a:rPr>
+                        <a:t>Pública/permisionada</a:t>
+                      </a:r>
+                      <a:endParaRPr lang="es-ES" sz="1100" b="1" i="0" u="none" strike="noStrike">
+                        <a:solidFill>
+                          <a:srgbClr val="FFFFFF"/>
+                        </a:solidFill>
+                        <a:effectLst/>
+                        <a:latin typeface="Calibri" panose="020F0502020204030204" pitchFamily="34" charset="0"/>
+                      </a:endParaRPr>
+                    </a:p>
+                  </a:txBody>
+                  <a:tcPr marL="6350" marR="6350" marT="6350" marB="0" anchor="b"/>
+                </a:tc>
+                <a:tc>
+                  <a:txBody>
+                    <a:bodyPr/>
+                    <a:lstStyle/>
+                    <a:p>
+                      <a:pPr algn="l" fontAlgn="b"/>
+                      <a:r>
+                        <a:rPr lang="es-ES" sz="1100" u="none" strike="noStrike">
+                          <a:effectLst/>
+                        </a:rPr>
+                        <a:t>Algoritmo de consenso</a:t>
+                      </a:r>
+                      <a:endParaRPr lang="es-ES" sz="1100" b="1" i="0" u="none" strike="noStrike">
+                        <a:solidFill>
+                          <a:srgbClr val="FFFFFF"/>
+                        </a:solidFill>
+                        <a:effectLst/>
+                        <a:latin typeface="Calibri" panose="020F0502020204030204" pitchFamily="34" charset="0"/>
+                      </a:endParaRPr>
+                    </a:p>
+                  </a:txBody>
+                  <a:tcPr marL="6350" marR="6350" marT="6350" marB="0" anchor="b"/>
+                </a:tc>
+                <a:tc>
+                  <a:txBody>
+                    <a:bodyPr/>
+                    <a:lstStyle/>
+                    <a:p>
+                      <a:pPr algn="l" fontAlgn="b"/>
+                      <a:r>
+                        <a:rPr lang="es-ES" sz="1100" u="none" strike="noStrike">
+                          <a:effectLst/>
+                        </a:rPr>
+                        <a:t>Transacciones por segundo (tx/s)</a:t>
+                      </a:r>
+                      <a:endParaRPr lang="es-ES" sz="1100" b="1" i="0" u="none" strike="noStrike">
+                        <a:solidFill>
+                          <a:srgbClr val="FFFFFF"/>
+                        </a:solidFill>
+                        <a:effectLst/>
+                        <a:latin typeface="Calibri" panose="020F0502020204030204" pitchFamily="34" charset="0"/>
+                      </a:endParaRPr>
+                    </a:p>
+                  </a:txBody>
+                  <a:tcPr marL="6350" marR="6350" marT="6350" marB="0" anchor="b"/>
+                </a:tc>
+                <a:extLst>
+                  <a:ext uri="{0D108BD9-81ED-4DB2-BD59-A6C34878D82A}">
+                    <a16:rowId xmlns:a16="http://schemas.microsoft.com/office/drawing/2014/main" val="766973595"/>
+                  </a:ext>
+                </a:extLst>
+              </a:tr>
+              <a:tr h="184150">
+                <a:tc>
+                  <a:txBody>
+                    <a:bodyPr/>
+                    <a:lstStyle/>
+                    <a:p>
+                      <a:pPr algn="l" fontAlgn="b"/>
+                      <a:r>
+                        <a:rPr lang="es-ES" sz="1100" u="none" strike="noStrike">
+                          <a:effectLst/>
+                        </a:rPr>
+                        <a:t>Bitcoin</a:t>
+                      </a:r>
+                      <a:endParaRPr lang="es-ES" sz="1100" b="1" i="0" u="none" strike="noStrike">
+                        <a:solidFill>
+                          <a:srgbClr val="000000"/>
+                        </a:solidFill>
+                        <a:effectLst/>
+                        <a:latin typeface="Calibri" panose="020F0502020204030204" pitchFamily="34" charset="0"/>
+                      </a:endParaRPr>
+                    </a:p>
+                  </a:txBody>
+                  <a:tcPr marL="6350" marR="6350" marT="6350" marB="0" anchor="b"/>
+                </a:tc>
+                <a:tc>
+                  <a:txBody>
+                    <a:bodyPr/>
+                    <a:lstStyle/>
+                    <a:p>
+                      <a:pPr algn="l" fontAlgn="b"/>
+                      <a:r>
+                        <a:rPr lang="es-ES" sz="1100" u="none" strike="noStrike">
+                          <a:effectLst/>
+                        </a:rPr>
+                        <a:t>Blockchain</a:t>
+                      </a:r>
+                      <a:endParaRPr lang="es-ES" sz="1100" b="0" i="0" u="none" strike="noStrike">
+                        <a:solidFill>
+                          <a:srgbClr val="000000"/>
+                        </a:solidFill>
+                        <a:effectLst/>
+                        <a:latin typeface="Calibri" panose="020F0502020204030204" pitchFamily="34" charset="0"/>
+                      </a:endParaRPr>
+                    </a:p>
+                  </a:txBody>
+                  <a:tcPr marL="6350" marR="6350" marT="6350" marB="0" anchor="b"/>
+                </a:tc>
+                <a:tc>
+                  <a:txBody>
+                    <a:bodyPr/>
+                    <a:lstStyle/>
+                    <a:p>
+                      <a:pPr algn="l" fontAlgn="b"/>
+                      <a:r>
+                        <a:rPr lang="es-ES" sz="1100" u="none" strike="noStrike">
+                          <a:effectLst/>
+                        </a:rPr>
+                        <a:t>Pública </a:t>
+                      </a:r>
+                      <a:endParaRPr lang="es-ES" sz="1100" b="0" i="0" u="none" strike="noStrike">
+                        <a:solidFill>
+                          <a:srgbClr val="000000"/>
+                        </a:solidFill>
+                        <a:effectLst/>
+                        <a:latin typeface="Calibri" panose="020F0502020204030204" pitchFamily="34" charset="0"/>
+                      </a:endParaRPr>
+                    </a:p>
+                  </a:txBody>
+                  <a:tcPr marL="6350" marR="6350" marT="6350" marB="0" anchor="b"/>
+                </a:tc>
+                <a:tc>
+                  <a:txBody>
+                    <a:bodyPr/>
+                    <a:lstStyle/>
+                    <a:p>
+                      <a:pPr algn="l" fontAlgn="b"/>
+                      <a:r>
+                        <a:rPr lang="es-ES" sz="1100" u="none" strike="noStrike">
+                          <a:effectLst/>
+                        </a:rPr>
+                        <a:t>Proof of Work</a:t>
+                      </a:r>
+                      <a:endParaRPr lang="es-ES" sz="1100" b="0" i="0" u="none" strike="noStrike">
+                        <a:solidFill>
+                          <a:srgbClr val="000000"/>
+                        </a:solidFill>
+                        <a:effectLst/>
+                        <a:latin typeface="Calibri" panose="020F0502020204030204" pitchFamily="34" charset="0"/>
+                      </a:endParaRPr>
+                    </a:p>
+                  </a:txBody>
+                  <a:tcPr marL="6350" marR="6350" marT="6350" marB="0" anchor="b"/>
+                </a:tc>
+                <a:tc>
+                  <a:txBody>
+                    <a:bodyPr/>
+                    <a:lstStyle/>
+                    <a:p>
+                      <a:pPr algn="ctr" fontAlgn="b"/>
+                      <a:r>
+                        <a:rPr lang="es-ES" sz="1100" u="none" strike="noStrike">
+                          <a:effectLst/>
+                        </a:rPr>
+                        <a:t>2-4 </a:t>
+                      </a:r>
+                      <a:endParaRPr lang="es-ES" sz="1100" b="0" i="0" u="none" strike="noStrike">
+                        <a:solidFill>
+                          <a:srgbClr val="000000"/>
+                        </a:solidFill>
+                        <a:effectLst/>
+                        <a:latin typeface="Calibri" panose="020F0502020204030204" pitchFamily="34" charset="0"/>
+                      </a:endParaRPr>
+                    </a:p>
+                  </a:txBody>
+                  <a:tcPr marL="6350" marR="6350" marT="6350" marB="0" anchor="b"/>
+                </a:tc>
+                <a:extLst>
+                  <a:ext uri="{0D108BD9-81ED-4DB2-BD59-A6C34878D82A}">
+                    <a16:rowId xmlns:a16="http://schemas.microsoft.com/office/drawing/2014/main" val="2870341999"/>
+                  </a:ext>
+                </a:extLst>
+              </a:tr>
+              <a:tr h="184150">
+                <a:tc>
+                  <a:txBody>
+                    <a:bodyPr/>
+                    <a:lstStyle/>
+                    <a:p>
+                      <a:pPr algn="l" fontAlgn="b"/>
+                      <a:r>
+                        <a:rPr lang="es-ES" sz="1100" u="none" strike="noStrike">
+                          <a:effectLst/>
+                        </a:rPr>
+                        <a:t>Ethereum</a:t>
+                      </a:r>
+                      <a:endParaRPr lang="es-ES" sz="1100" b="1" i="0" u="none" strike="noStrike">
+                        <a:solidFill>
+                          <a:srgbClr val="000000"/>
+                        </a:solidFill>
+                        <a:effectLst/>
+                        <a:latin typeface="Calibri" panose="020F0502020204030204" pitchFamily="34" charset="0"/>
+                      </a:endParaRPr>
+                    </a:p>
+                  </a:txBody>
+                  <a:tcPr marL="6350" marR="6350" marT="6350" marB="0" anchor="b"/>
+                </a:tc>
+                <a:tc>
+                  <a:txBody>
+                    <a:bodyPr/>
+                    <a:lstStyle/>
+                    <a:p>
+                      <a:pPr algn="l" fontAlgn="b"/>
+                      <a:r>
+                        <a:rPr lang="es-ES" sz="1100" u="none" strike="noStrike">
+                          <a:effectLst/>
+                        </a:rPr>
+                        <a:t>Blockchain</a:t>
+                      </a:r>
+                      <a:endParaRPr lang="es-ES" sz="1100" b="0" i="0" u="none" strike="noStrike">
+                        <a:solidFill>
+                          <a:srgbClr val="000000"/>
+                        </a:solidFill>
+                        <a:effectLst/>
+                        <a:latin typeface="Calibri" panose="020F0502020204030204" pitchFamily="34" charset="0"/>
+                      </a:endParaRPr>
+                    </a:p>
+                  </a:txBody>
+                  <a:tcPr marL="6350" marR="6350" marT="6350" marB="0" anchor="b"/>
+                </a:tc>
+                <a:tc>
+                  <a:txBody>
+                    <a:bodyPr/>
+                    <a:lstStyle/>
+                    <a:p>
+                      <a:pPr algn="l" fontAlgn="b"/>
+                      <a:r>
+                        <a:rPr lang="es-ES" sz="1100" u="none" strike="noStrike">
+                          <a:effectLst/>
+                        </a:rPr>
+                        <a:t>Pública</a:t>
+                      </a:r>
+                      <a:endParaRPr lang="es-ES" sz="1100" b="0" i="0" u="none" strike="noStrike">
+                        <a:solidFill>
+                          <a:srgbClr val="000000"/>
+                        </a:solidFill>
+                        <a:effectLst/>
+                        <a:latin typeface="Calibri" panose="020F0502020204030204" pitchFamily="34" charset="0"/>
+                      </a:endParaRPr>
+                    </a:p>
+                  </a:txBody>
+                  <a:tcPr marL="6350" marR="6350" marT="6350" marB="0" anchor="b"/>
+                </a:tc>
+                <a:tc>
+                  <a:txBody>
+                    <a:bodyPr/>
+                    <a:lstStyle/>
+                    <a:p>
+                      <a:pPr algn="l" fontAlgn="b"/>
+                      <a:r>
+                        <a:rPr lang="es-ES" sz="1100" u="none" strike="noStrike">
+                          <a:effectLst/>
+                        </a:rPr>
+                        <a:t>Proof of Work </a:t>
+                      </a:r>
+                      <a:endParaRPr lang="es-ES" sz="1100" b="0" i="0" u="none" strike="noStrike">
+                        <a:solidFill>
+                          <a:srgbClr val="000000"/>
+                        </a:solidFill>
+                        <a:effectLst/>
+                        <a:latin typeface="Calibri" panose="020F0502020204030204" pitchFamily="34" charset="0"/>
+                      </a:endParaRPr>
+                    </a:p>
+                  </a:txBody>
+                  <a:tcPr marL="6350" marR="6350" marT="6350" marB="0" anchor="b"/>
+                </a:tc>
+                <a:tc>
+                  <a:txBody>
+                    <a:bodyPr/>
+                    <a:lstStyle/>
+                    <a:p>
+                      <a:pPr algn="ctr" fontAlgn="b"/>
+                      <a:r>
+                        <a:rPr lang="es-ES" sz="1100" u="none" strike="noStrike">
+                          <a:effectLst/>
+                        </a:rPr>
+                        <a:t>5-7</a:t>
+                      </a:r>
+                      <a:endParaRPr lang="es-ES" sz="1100" b="0" i="0" u="none" strike="noStrike">
+                        <a:solidFill>
+                          <a:srgbClr val="000000"/>
+                        </a:solidFill>
+                        <a:effectLst/>
+                        <a:latin typeface="Calibri" panose="020F0502020204030204" pitchFamily="34" charset="0"/>
+                      </a:endParaRPr>
+                    </a:p>
+                  </a:txBody>
+                  <a:tcPr marL="6350" marR="6350" marT="6350" marB="0" anchor="b"/>
+                </a:tc>
+                <a:extLst>
+                  <a:ext uri="{0D108BD9-81ED-4DB2-BD59-A6C34878D82A}">
+                    <a16:rowId xmlns:a16="http://schemas.microsoft.com/office/drawing/2014/main" val="2407333102"/>
+                  </a:ext>
+                </a:extLst>
+              </a:tr>
+              <a:tr h="184150">
+                <a:tc>
+                  <a:txBody>
+                    <a:bodyPr/>
+                    <a:lstStyle/>
+                    <a:p>
+                      <a:pPr algn="l" fontAlgn="b"/>
+                      <a:r>
+                        <a:rPr lang="es-ES" sz="1100" u="none" strike="noStrike">
+                          <a:effectLst/>
+                        </a:rPr>
+                        <a:t>Hyperledger Fabric</a:t>
+                      </a:r>
+                      <a:endParaRPr lang="es-ES" sz="1100" b="1" i="0" u="none" strike="noStrike">
+                        <a:solidFill>
+                          <a:srgbClr val="000000"/>
+                        </a:solidFill>
+                        <a:effectLst/>
+                        <a:latin typeface="Calibri" panose="020F0502020204030204" pitchFamily="34" charset="0"/>
+                      </a:endParaRPr>
+                    </a:p>
+                  </a:txBody>
+                  <a:tcPr marL="6350" marR="6350" marT="6350" marB="0" anchor="b"/>
+                </a:tc>
+                <a:tc>
+                  <a:txBody>
+                    <a:bodyPr/>
+                    <a:lstStyle/>
+                    <a:p>
+                      <a:pPr algn="l" fontAlgn="b"/>
+                      <a:r>
+                        <a:rPr lang="es-ES" sz="1100" u="none" strike="noStrike">
+                          <a:effectLst/>
+                        </a:rPr>
+                        <a:t>Blockchain</a:t>
+                      </a:r>
+                      <a:endParaRPr lang="es-ES" sz="1100" b="0" i="0" u="none" strike="noStrike">
+                        <a:solidFill>
+                          <a:srgbClr val="000000"/>
+                        </a:solidFill>
+                        <a:effectLst/>
+                        <a:latin typeface="Calibri" panose="020F0502020204030204" pitchFamily="34" charset="0"/>
+                      </a:endParaRPr>
+                    </a:p>
+                  </a:txBody>
+                  <a:tcPr marL="6350" marR="6350" marT="6350" marB="0" anchor="b"/>
+                </a:tc>
+                <a:tc>
+                  <a:txBody>
+                    <a:bodyPr/>
+                    <a:lstStyle/>
+                    <a:p>
+                      <a:pPr algn="l" fontAlgn="b"/>
+                      <a:r>
+                        <a:rPr lang="es-ES" sz="1100" u="none" strike="noStrike">
+                          <a:effectLst/>
+                        </a:rPr>
+                        <a:t>Permisionada</a:t>
+                      </a:r>
+                      <a:endParaRPr lang="es-ES" sz="1100" b="0" i="0" u="none" strike="noStrike">
+                        <a:solidFill>
+                          <a:srgbClr val="000000"/>
+                        </a:solidFill>
+                        <a:effectLst/>
+                        <a:latin typeface="Calibri" panose="020F0502020204030204" pitchFamily="34" charset="0"/>
+                      </a:endParaRPr>
+                    </a:p>
+                  </a:txBody>
+                  <a:tcPr marL="6350" marR="6350" marT="6350" marB="0" anchor="b"/>
+                </a:tc>
+                <a:tc>
+                  <a:txBody>
+                    <a:bodyPr/>
+                    <a:lstStyle/>
+                    <a:p>
+                      <a:pPr algn="l" fontAlgn="b"/>
+                      <a:r>
+                        <a:rPr lang="es-ES" sz="1100" u="none" strike="noStrike">
+                          <a:effectLst/>
+                        </a:rPr>
+                        <a:t>Byzantine Fault Tolerance</a:t>
+                      </a:r>
+                      <a:endParaRPr lang="es-ES" sz="1100" b="0" i="0" u="none" strike="noStrike">
+                        <a:solidFill>
+                          <a:srgbClr val="000000"/>
+                        </a:solidFill>
+                        <a:effectLst/>
+                        <a:latin typeface="Calibri" panose="020F0502020204030204" pitchFamily="34" charset="0"/>
+                      </a:endParaRPr>
+                    </a:p>
+                  </a:txBody>
+                  <a:tcPr marL="6350" marR="6350" marT="6350" marB="0" anchor="b"/>
+                </a:tc>
+                <a:tc>
+                  <a:txBody>
+                    <a:bodyPr/>
+                    <a:lstStyle/>
+                    <a:p>
+                      <a:pPr algn="ctr" fontAlgn="b"/>
+                      <a:r>
+                        <a:rPr lang="es-ES" sz="1100" u="none" strike="noStrike">
+                          <a:effectLst/>
+                        </a:rPr>
+                        <a:t>3.500</a:t>
+                      </a:r>
+                      <a:endParaRPr lang="es-ES" sz="1100" b="0" i="0" u="none" strike="noStrike">
+                        <a:solidFill>
+                          <a:srgbClr val="000000"/>
+                        </a:solidFill>
+                        <a:effectLst/>
+                        <a:latin typeface="Calibri" panose="020F0502020204030204" pitchFamily="34" charset="0"/>
+                      </a:endParaRPr>
+                    </a:p>
+                  </a:txBody>
+                  <a:tcPr marL="6350" marR="6350" marT="6350" marB="0" anchor="b"/>
+                </a:tc>
+                <a:extLst>
+                  <a:ext uri="{0D108BD9-81ED-4DB2-BD59-A6C34878D82A}">
+                    <a16:rowId xmlns:a16="http://schemas.microsoft.com/office/drawing/2014/main" val="2803602301"/>
+                  </a:ext>
+                </a:extLst>
+              </a:tr>
+              <a:tr h="184150">
+                <a:tc>
+                  <a:txBody>
+                    <a:bodyPr/>
+                    <a:lstStyle/>
+                    <a:p>
+                      <a:pPr algn="l" fontAlgn="b"/>
+                      <a:r>
+                        <a:rPr lang="es-ES" sz="1100" u="none" strike="noStrike">
+                          <a:effectLst/>
+                        </a:rPr>
+                        <a:t>Hyperledger Sawtooth</a:t>
+                      </a:r>
+                      <a:endParaRPr lang="es-ES" sz="1100" b="1" i="0" u="none" strike="noStrike">
+                        <a:solidFill>
+                          <a:srgbClr val="000000"/>
+                        </a:solidFill>
+                        <a:effectLst/>
+                        <a:latin typeface="Calibri" panose="020F0502020204030204" pitchFamily="34" charset="0"/>
+                      </a:endParaRPr>
+                    </a:p>
+                  </a:txBody>
+                  <a:tcPr marL="6350" marR="6350" marT="6350" marB="0" anchor="b"/>
+                </a:tc>
+                <a:tc>
+                  <a:txBody>
+                    <a:bodyPr/>
+                    <a:lstStyle/>
+                    <a:p>
+                      <a:pPr algn="l" fontAlgn="b"/>
+                      <a:r>
+                        <a:rPr lang="es-ES" sz="1100" u="none" strike="noStrike">
+                          <a:effectLst/>
+                        </a:rPr>
+                        <a:t>Blockchain</a:t>
+                      </a:r>
+                      <a:endParaRPr lang="es-ES" sz="1100" b="0" i="0" u="none" strike="noStrike">
+                        <a:solidFill>
+                          <a:srgbClr val="000000"/>
+                        </a:solidFill>
+                        <a:effectLst/>
+                        <a:latin typeface="Calibri" panose="020F0502020204030204" pitchFamily="34" charset="0"/>
+                      </a:endParaRPr>
+                    </a:p>
+                  </a:txBody>
+                  <a:tcPr marL="6350" marR="6350" marT="6350" marB="0" anchor="b"/>
+                </a:tc>
+                <a:tc>
+                  <a:txBody>
+                    <a:bodyPr/>
+                    <a:lstStyle/>
+                    <a:p>
+                      <a:pPr algn="l" fontAlgn="b"/>
+                      <a:r>
+                        <a:rPr lang="es-ES" sz="1100" u="none" strike="noStrike" dirty="0">
+                          <a:effectLst/>
+                        </a:rPr>
+                        <a:t>Permisionada</a:t>
+                      </a:r>
+                      <a:endParaRPr lang="es-ES" sz="1100" b="0" i="0" u="none" strike="noStrike" dirty="0">
+                        <a:solidFill>
+                          <a:srgbClr val="000000"/>
+                        </a:solidFill>
+                        <a:effectLst/>
+                        <a:latin typeface="Calibri" panose="020F0502020204030204" pitchFamily="34" charset="0"/>
+                      </a:endParaRPr>
+                    </a:p>
+                  </a:txBody>
+                  <a:tcPr marL="6350" marR="6350" marT="6350" marB="0" anchor="b"/>
+                </a:tc>
+                <a:tc>
+                  <a:txBody>
+                    <a:bodyPr/>
+                    <a:lstStyle/>
+                    <a:p>
+                      <a:pPr algn="l" fontAlgn="b"/>
+                      <a:r>
+                        <a:rPr lang="es-ES" sz="1100" u="none" strike="noStrike">
+                          <a:effectLst/>
+                        </a:rPr>
+                        <a:t>Proof of Elapsed Time</a:t>
+                      </a:r>
+                      <a:endParaRPr lang="es-ES" sz="1100" b="0" i="0" u="none" strike="noStrike">
+                        <a:solidFill>
+                          <a:srgbClr val="000000"/>
+                        </a:solidFill>
+                        <a:effectLst/>
+                        <a:latin typeface="Calibri" panose="020F0502020204030204" pitchFamily="34" charset="0"/>
+                      </a:endParaRPr>
+                    </a:p>
+                  </a:txBody>
+                  <a:tcPr marL="6350" marR="6350" marT="6350" marB="0" anchor="b"/>
+                </a:tc>
+                <a:tc>
+                  <a:txBody>
+                    <a:bodyPr/>
+                    <a:lstStyle/>
+                    <a:p>
+                      <a:pPr algn="ctr" fontAlgn="b"/>
+                      <a:r>
+                        <a:rPr lang="es-ES" sz="1100" u="none" strike="noStrike">
+                          <a:effectLst/>
+                        </a:rPr>
+                        <a:t>100x</a:t>
+                      </a:r>
+                      <a:endParaRPr lang="es-ES" sz="1100" b="0" i="0" u="none" strike="noStrike">
+                        <a:solidFill>
+                          <a:srgbClr val="000000"/>
+                        </a:solidFill>
+                        <a:effectLst/>
+                        <a:latin typeface="Calibri" panose="020F0502020204030204" pitchFamily="34" charset="0"/>
+                      </a:endParaRPr>
+                    </a:p>
+                  </a:txBody>
+                  <a:tcPr marL="6350" marR="6350" marT="6350" marB="0" anchor="b"/>
+                </a:tc>
+                <a:extLst>
+                  <a:ext uri="{0D108BD9-81ED-4DB2-BD59-A6C34878D82A}">
+                    <a16:rowId xmlns:a16="http://schemas.microsoft.com/office/drawing/2014/main" val="2774080749"/>
+                  </a:ext>
+                </a:extLst>
+              </a:tr>
+              <a:tr h="184150">
+                <a:tc>
+                  <a:txBody>
+                    <a:bodyPr/>
+                    <a:lstStyle/>
+                    <a:p>
+                      <a:pPr algn="l" fontAlgn="b"/>
+                      <a:r>
+                        <a:rPr lang="es-ES" sz="1100" u="none" strike="noStrike">
+                          <a:effectLst/>
+                        </a:rPr>
+                        <a:t>Alastria</a:t>
+                      </a:r>
+                      <a:endParaRPr lang="es-ES" sz="1100" b="1" i="0" u="none" strike="noStrike">
+                        <a:solidFill>
+                          <a:srgbClr val="000000"/>
+                        </a:solidFill>
+                        <a:effectLst/>
+                        <a:latin typeface="Calibri" panose="020F0502020204030204" pitchFamily="34" charset="0"/>
+                      </a:endParaRPr>
+                    </a:p>
+                  </a:txBody>
+                  <a:tcPr marL="6350" marR="6350" marT="6350" marB="0" anchor="b"/>
+                </a:tc>
+                <a:tc>
+                  <a:txBody>
+                    <a:bodyPr/>
+                    <a:lstStyle/>
+                    <a:p>
+                      <a:pPr algn="l" fontAlgn="b"/>
+                      <a:r>
+                        <a:rPr lang="es-ES" sz="1100" u="none" strike="noStrike">
+                          <a:effectLst/>
+                        </a:rPr>
+                        <a:t>Blockchain</a:t>
+                      </a:r>
+                      <a:endParaRPr lang="es-ES" sz="1100" b="0" i="0" u="none" strike="noStrike">
+                        <a:solidFill>
+                          <a:srgbClr val="000000"/>
+                        </a:solidFill>
+                        <a:effectLst/>
+                        <a:latin typeface="Calibri" panose="020F0502020204030204" pitchFamily="34" charset="0"/>
+                      </a:endParaRPr>
+                    </a:p>
+                  </a:txBody>
+                  <a:tcPr marL="6350" marR="6350" marT="6350" marB="0" anchor="b"/>
+                </a:tc>
+                <a:tc>
+                  <a:txBody>
+                    <a:bodyPr/>
+                    <a:lstStyle/>
+                    <a:p>
+                      <a:pPr algn="l" fontAlgn="b"/>
+                      <a:r>
+                        <a:rPr lang="es-ES" sz="1100" u="none" strike="noStrike">
+                          <a:effectLst/>
+                        </a:rPr>
+                        <a:t>Permisionada</a:t>
+                      </a:r>
+                      <a:endParaRPr lang="es-ES" sz="1100" b="0" i="0" u="none" strike="noStrike">
+                        <a:solidFill>
+                          <a:srgbClr val="000000"/>
+                        </a:solidFill>
+                        <a:effectLst/>
+                        <a:latin typeface="Calibri" panose="020F0502020204030204" pitchFamily="34" charset="0"/>
+                      </a:endParaRPr>
+                    </a:p>
+                  </a:txBody>
+                  <a:tcPr marL="6350" marR="6350" marT="6350" marB="0" anchor="b"/>
+                </a:tc>
+                <a:tc>
+                  <a:txBody>
+                    <a:bodyPr/>
+                    <a:lstStyle/>
+                    <a:p>
+                      <a:pPr algn="l" fontAlgn="b"/>
+                      <a:r>
+                        <a:rPr lang="es-ES" sz="1100" u="none" strike="noStrike">
+                          <a:effectLst/>
+                        </a:rPr>
+                        <a:t>Instambul BFT</a:t>
+                      </a:r>
+                      <a:endParaRPr lang="es-ES" sz="1100" b="0" i="0" u="none" strike="noStrike">
+                        <a:solidFill>
+                          <a:srgbClr val="000000"/>
+                        </a:solidFill>
+                        <a:effectLst/>
+                        <a:latin typeface="Calibri" panose="020F0502020204030204" pitchFamily="34" charset="0"/>
+                      </a:endParaRPr>
+                    </a:p>
+                  </a:txBody>
+                  <a:tcPr marL="6350" marR="6350" marT="6350" marB="0" anchor="b"/>
+                </a:tc>
+                <a:tc>
+                  <a:txBody>
+                    <a:bodyPr/>
+                    <a:lstStyle/>
+                    <a:p>
+                      <a:pPr algn="ctr" fontAlgn="b"/>
+                      <a:r>
+                        <a:rPr lang="es-ES" sz="1100" u="none" strike="noStrike">
+                          <a:effectLst/>
+                        </a:rPr>
+                        <a:t>100x</a:t>
+                      </a:r>
+                      <a:endParaRPr lang="es-ES" sz="1100" b="0" i="0" u="none" strike="noStrike">
+                        <a:solidFill>
+                          <a:srgbClr val="000000"/>
+                        </a:solidFill>
+                        <a:effectLst/>
+                        <a:latin typeface="Calibri" panose="020F0502020204030204" pitchFamily="34" charset="0"/>
+                      </a:endParaRPr>
+                    </a:p>
+                  </a:txBody>
+                  <a:tcPr marL="6350" marR="6350" marT="6350" marB="0" anchor="b"/>
+                </a:tc>
+                <a:extLst>
+                  <a:ext uri="{0D108BD9-81ED-4DB2-BD59-A6C34878D82A}">
+                    <a16:rowId xmlns:a16="http://schemas.microsoft.com/office/drawing/2014/main" val="3226199124"/>
+                  </a:ext>
+                </a:extLst>
+              </a:tr>
+              <a:tr h="184150">
+                <a:tc>
+                  <a:txBody>
+                    <a:bodyPr/>
+                    <a:lstStyle/>
+                    <a:p>
+                      <a:pPr algn="l" fontAlgn="b"/>
+                      <a:r>
+                        <a:rPr lang="es-ES" sz="1100" u="none" strike="noStrike">
+                          <a:effectLst/>
+                        </a:rPr>
+                        <a:t>IOTA</a:t>
+                      </a:r>
+                      <a:endParaRPr lang="es-ES" sz="1100" b="1" i="0" u="none" strike="noStrike">
+                        <a:solidFill>
+                          <a:srgbClr val="000000"/>
+                        </a:solidFill>
+                        <a:effectLst/>
+                        <a:latin typeface="Calibri" panose="020F0502020204030204" pitchFamily="34" charset="0"/>
+                      </a:endParaRPr>
+                    </a:p>
+                  </a:txBody>
+                  <a:tcPr marL="6350" marR="6350" marT="6350" marB="0" anchor="b"/>
+                </a:tc>
+                <a:tc>
+                  <a:txBody>
+                    <a:bodyPr/>
+                    <a:lstStyle/>
+                    <a:p>
+                      <a:pPr algn="l" fontAlgn="b"/>
+                      <a:r>
+                        <a:rPr lang="es-ES" sz="1100" u="none" strike="noStrike">
+                          <a:effectLst/>
+                        </a:rPr>
+                        <a:t>Tangle</a:t>
+                      </a:r>
+                      <a:endParaRPr lang="es-ES" sz="1100" b="0" i="0" u="none" strike="noStrike">
+                        <a:solidFill>
+                          <a:srgbClr val="000000"/>
+                        </a:solidFill>
+                        <a:effectLst/>
+                        <a:latin typeface="Calibri" panose="020F0502020204030204" pitchFamily="34" charset="0"/>
+                      </a:endParaRPr>
+                    </a:p>
+                  </a:txBody>
+                  <a:tcPr marL="6350" marR="6350" marT="6350" marB="0" anchor="b"/>
+                </a:tc>
+                <a:tc>
+                  <a:txBody>
+                    <a:bodyPr/>
+                    <a:lstStyle/>
+                    <a:p>
+                      <a:pPr algn="l" fontAlgn="b"/>
+                      <a:r>
+                        <a:rPr lang="es-ES" sz="1100" u="none" strike="noStrike">
+                          <a:effectLst/>
+                        </a:rPr>
+                        <a:t>Pública</a:t>
+                      </a:r>
+                      <a:endParaRPr lang="es-ES" sz="1100" b="0" i="0" u="none" strike="noStrike">
+                        <a:solidFill>
+                          <a:srgbClr val="000000"/>
+                        </a:solidFill>
+                        <a:effectLst/>
+                        <a:latin typeface="Calibri" panose="020F0502020204030204" pitchFamily="34" charset="0"/>
+                      </a:endParaRPr>
+                    </a:p>
+                  </a:txBody>
+                  <a:tcPr marL="6350" marR="6350" marT="6350" marB="0" anchor="b"/>
+                </a:tc>
+                <a:tc>
+                  <a:txBody>
+                    <a:bodyPr/>
+                    <a:lstStyle/>
+                    <a:p>
+                      <a:pPr algn="l" fontAlgn="b"/>
+                      <a:r>
+                        <a:rPr lang="es-ES" sz="1100" u="none" strike="noStrike">
+                          <a:effectLst/>
+                        </a:rPr>
+                        <a:t>Markov Chain Monte Carlo</a:t>
+                      </a:r>
+                      <a:endParaRPr lang="es-ES" sz="1100" b="0" i="0" u="none" strike="noStrike">
+                        <a:solidFill>
+                          <a:srgbClr val="000000"/>
+                        </a:solidFill>
+                        <a:effectLst/>
+                        <a:latin typeface="Calibri" panose="020F0502020204030204" pitchFamily="34" charset="0"/>
+                      </a:endParaRPr>
+                    </a:p>
+                  </a:txBody>
+                  <a:tcPr marL="6350" marR="6350" marT="6350" marB="0" anchor="b"/>
+                </a:tc>
+                <a:tc>
+                  <a:txBody>
+                    <a:bodyPr/>
+                    <a:lstStyle/>
+                    <a:p>
+                      <a:pPr algn="ctr" fontAlgn="b"/>
+                      <a:r>
+                        <a:rPr lang="es-ES" sz="1100" u="none" strike="noStrike">
+                          <a:effectLst/>
+                        </a:rPr>
+                        <a:t>1.000.000</a:t>
+                      </a:r>
+                      <a:endParaRPr lang="es-ES" sz="1100" b="0" i="0" u="none" strike="noStrike">
+                        <a:solidFill>
+                          <a:srgbClr val="000000"/>
+                        </a:solidFill>
+                        <a:effectLst/>
+                        <a:latin typeface="Calibri" panose="020F0502020204030204" pitchFamily="34" charset="0"/>
+                      </a:endParaRPr>
+                    </a:p>
+                  </a:txBody>
+                  <a:tcPr marL="6350" marR="6350" marT="6350" marB="0" anchor="b"/>
+                </a:tc>
+                <a:extLst>
+                  <a:ext uri="{0D108BD9-81ED-4DB2-BD59-A6C34878D82A}">
+                    <a16:rowId xmlns:a16="http://schemas.microsoft.com/office/drawing/2014/main" val="2510962677"/>
+                  </a:ext>
+                </a:extLst>
+              </a:tr>
+              <a:tr h="184150">
+                <a:tc>
+                  <a:txBody>
+                    <a:bodyPr/>
+                    <a:lstStyle/>
+                    <a:p>
+                      <a:pPr algn="l" fontAlgn="b"/>
+                      <a:r>
+                        <a:rPr lang="es-ES" sz="1100" u="none" strike="noStrike">
+                          <a:effectLst/>
+                        </a:rPr>
+                        <a:t>Hedera</a:t>
+                      </a:r>
+                      <a:endParaRPr lang="es-ES" sz="1100" b="1" i="0" u="none" strike="noStrike">
+                        <a:solidFill>
+                          <a:srgbClr val="000000"/>
+                        </a:solidFill>
+                        <a:effectLst/>
+                        <a:latin typeface="Calibri" panose="020F0502020204030204" pitchFamily="34" charset="0"/>
+                      </a:endParaRPr>
+                    </a:p>
+                  </a:txBody>
+                  <a:tcPr marL="6350" marR="6350" marT="6350" marB="0" anchor="b"/>
+                </a:tc>
+                <a:tc>
+                  <a:txBody>
+                    <a:bodyPr/>
+                    <a:lstStyle/>
+                    <a:p>
+                      <a:pPr algn="l" fontAlgn="b"/>
+                      <a:r>
+                        <a:rPr lang="es-ES" sz="1100" u="none" strike="noStrike">
+                          <a:effectLst/>
+                        </a:rPr>
+                        <a:t>Hashgraph</a:t>
+                      </a:r>
+                      <a:endParaRPr lang="es-ES" sz="1100" b="0" i="0" u="none" strike="noStrike">
+                        <a:solidFill>
+                          <a:srgbClr val="000000"/>
+                        </a:solidFill>
+                        <a:effectLst/>
+                        <a:latin typeface="Calibri" panose="020F0502020204030204" pitchFamily="34" charset="0"/>
+                      </a:endParaRPr>
+                    </a:p>
+                  </a:txBody>
+                  <a:tcPr marL="6350" marR="6350" marT="6350" marB="0" anchor="b"/>
+                </a:tc>
+                <a:tc>
+                  <a:txBody>
+                    <a:bodyPr/>
+                    <a:lstStyle/>
+                    <a:p>
+                      <a:pPr algn="l" fontAlgn="b"/>
+                      <a:r>
+                        <a:rPr lang="es-ES" sz="1100" u="none" strike="noStrike">
+                          <a:effectLst/>
+                        </a:rPr>
+                        <a:t>Permisionada</a:t>
+                      </a:r>
+                      <a:endParaRPr lang="es-ES" sz="1100" b="0" i="0" u="none" strike="noStrike">
+                        <a:solidFill>
+                          <a:srgbClr val="000000"/>
+                        </a:solidFill>
+                        <a:effectLst/>
+                        <a:latin typeface="Calibri" panose="020F0502020204030204" pitchFamily="34" charset="0"/>
+                      </a:endParaRPr>
+                    </a:p>
+                  </a:txBody>
+                  <a:tcPr marL="6350" marR="6350" marT="6350" marB="0" anchor="b"/>
+                </a:tc>
+                <a:tc>
+                  <a:txBody>
+                    <a:bodyPr/>
+                    <a:lstStyle/>
+                    <a:p>
+                      <a:pPr algn="l" fontAlgn="b"/>
+                      <a:r>
+                        <a:rPr lang="es-ES" sz="1100" u="none" strike="noStrike">
+                          <a:effectLst/>
+                        </a:rPr>
+                        <a:t>Gossip Protocol</a:t>
+                      </a:r>
+                      <a:endParaRPr lang="es-ES" sz="1100" b="0" i="0" u="none" strike="noStrike">
+                        <a:solidFill>
+                          <a:srgbClr val="000000"/>
+                        </a:solidFill>
+                        <a:effectLst/>
+                        <a:latin typeface="Calibri" panose="020F0502020204030204" pitchFamily="34" charset="0"/>
+                      </a:endParaRPr>
+                    </a:p>
+                  </a:txBody>
+                  <a:tcPr marL="6350" marR="6350" marT="6350" marB="0" anchor="b"/>
+                </a:tc>
+                <a:tc>
+                  <a:txBody>
+                    <a:bodyPr/>
+                    <a:lstStyle/>
+                    <a:p>
+                      <a:pPr algn="ctr" fontAlgn="b"/>
+                      <a:r>
+                        <a:rPr lang="es-ES" sz="1100" u="none" strike="noStrike" dirty="0">
+                          <a:effectLst/>
+                        </a:rPr>
+                        <a:t>250.000</a:t>
+                      </a:r>
+                      <a:endParaRPr lang="es-ES" sz="1100" b="0" i="0" u="none" strike="noStrike" dirty="0">
+                        <a:solidFill>
+                          <a:srgbClr val="000000"/>
+                        </a:solidFill>
+                        <a:effectLst/>
+                        <a:latin typeface="Calibri" panose="020F0502020204030204" pitchFamily="34" charset="0"/>
+                      </a:endParaRPr>
+                    </a:p>
+                  </a:txBody>
+                  <a:tcPr marL="6350" marR="6350" marT="6350" marB="0" anchor="b"/>
+                </a:tc>
+                <a:extLst>
+                  <a:ext uri="{0D108BD9-81ED-4DB2-BD59-A6C34878D82A}">
+                    <a16:rowId xmlns:a16="http://schemas.microsoft.com/office/drawing/2014/main" val="3393897922"/>
+                  </a:ext>
+                </a:extLst>
+              </a:tr>
+            </a:tbl>
+          </a:graphicData>
+        </a:graphic>
+      </p:graphicFrame>
+      <p:graphicFrame>
+        <p:nvGraphicFramePr>
+          <p:cNvPr id="2" name="Tabla 1">
+            <a:extLst>
+              <a:ext uri="{FF2B5EF4-FFF2-40B4-BE49-F238E27FC236}">
+                <a16:creationId xmlns:a16="http://schemas.microsoft.com/office/drawing/2014/main" id="{CCD76D41-F061-4117-B2BE-0B4927659AF8}"/>
+              </a:ext>
+            </a:extLst>
+          </p:cNvPr>
+          <p:cNvGraphicFramePr>
+            <a:graphicFrameLocks noGrp="1"/>
+          </p:cNvGraphicFramePr>
+          <p:nvPr>
+            <p:extLst>
+              <p:ext uri="{D42A27DB-BD31-4B8C-83A1-F6EECF244321}">
+                <p14:modId xmlns:p14="http://schemas.microsoft.com/office/powerpoint/2010/main" val="3907339588"/>
+              </p:ext>
+            </p:extLst>
+          </p:nvPr>
+        </p:nvGraphicFramePr>
+        <p:xfrm>
+          <a:off x="1235074" y="4533900"/>
+          <a:ext cx="8575675" cy="1879600"/>
+        </p:xfrm>
+        <a:graphic>
+          <a:graphicData uri="http://schemas.openxmlformats.org/drawingml/2006/table">
+            <a:tbl>
+              <a:tblPr firstRow="1" firstCol="1" bandRow="1">
+                <a:tableStyleId>{073A0DAA-6AF3-43AB-8588-CEC1D06C72B9}</a:tableStyleId>
+              </a:tblPr>
+              <a:tblGrid>
+                <a:gridCol w="1955801">
+                  <a:extLst>
+                    <a:ext uri="{9D8B030D-6E8A-4147-A177-3AD203B41FA5}">
+                      <a16:colId xmlns:a16="http://schemas.microsoft.com/office/drawing/2014/main" val="3053577370"/>
+                    </a:ext>
+                  </a:extLst>
+                </a:gridCol>
+                <a:gridCol w="962025">
+                  <a:extLst>
+                    <a:ext uri="{9D8B030D-6E8A-4147-A177-3AD203B41FA5}">
+                      <a16:colId xmlns:a16="http://schemas.microsoft.com/office/drawing/2014/main" val="1665558830"/>
+                    </a:ext>
+                  </a:extLst>
+                </a:gridCol>
+                <a:gridCol w="1743075">
+                  <a:extLst>
+                    <a:ext uri="{9D8B030D-6E8A-4147-A177-3AD203B41FA5}">
+                      <a16:colId xmlns:a16="http://schemas.microsoft.com/office/drawing/2014/main" val="3182372827"/>
+                    </a:ext>
+                  </a:extLst>
+                </a:gridCol>
+                <a:gridCol w="2019300">
+                  <a:extLst>
+                    <a:ext uri="{9D8B030D-6E8A-4147-A177-3AD203B41FA5}">
+                      <a16:colId xmlns:a16="http://schemas.microsoft.com/office/drawing/2014/main" val="3486277172"/>
+                    </a:ext>
+                  </a:extLst>
+                </a:gridCol>
+                <a:gridCol w="1895474">
+                  <a:extLst>
+                    <a:ext uri="{9D8B030D-6E8A-4147-A177-3AD203B41FA5}">
+                      <a16:colId xmlns:a16="http://schemas.microsoft.com/office/drawing/2014/main" val="1782789714"/>
+                    </a:ext>
+                  </a:extLst>
+                </a:gridCol>
+              </a:tblGrid>
+              <a:tr h="234950">
+                <a:tc>
+                  <a:txBody>
+                    <a:bodyPr/>
+                    <a:lstStyle/>
+                    <a:p>
+                      <a:pPr algn="l" fontAlgn="b"/>
+                      <a:r>
+                        <a:rPr lang="es-ES" sz="1400" u="none" strike="noStrike">
+                          <a:effectLst/>
+                        </a:rPr>
+                        <a:t>Nombre</a:t>
+                      </a:r>
+                      <a:endParaRPr lang="es-ES" sz="1400" b="1" i="0" u="none" strike="noStrike">
+                        <a:solidFill>
+                          <a:srgbClr val="FFFFFF"/>
+                        </a:solidFill>
+                        <a:effectLst/>
+                        <a:latin typeface="Calibri" panose="020F0502020204030204" pitchFamily="34" charset="0"/>
+                      </a:endParaRPr>
+                    </a:p>
+                  </a:txBody>
+                  <a:tcPr marL="6350" marR="6350" marT="6350" marB="0" anchor="b"/>
+                </a:tc>
+                <a:tc>
+                  <a:txBody>
+                    <a:bodyPr/>
+                    <a:lstStyle/>
+                    <a:p>
+                      <a:pPr algn="l" fontAlgn="b"/>
+                      <a:r>
+                        <a:rPr lang="es-ES" sz="1400" u="none" strike="noStrike">
+                          <a:effectLst/>
+                        </a:rPr>
+                        <a:t>Tecnología</a:t>
+                      </a:r>
+                      <a:endParaRPr lang="es-ES" sz="1400" b="1" i="0" u="none" strike="noStrike">
+                        <a:solidFill>
+                          <a:srgbClr val="FFFFFF"/>
+                        </a:solidFill>
+                        <a:effectLst/>
+                        <a:latin typeface="Calibri" panose="020F0502020204030204" pitchFamily="34" charset="0"/>
+                      </a:endParaRPr>
+                    </a:p>
+                  </a:txBody>
+                  <a:tcPr marL="6350" marR="6350" marT="6350" marB="0" anchor="b"/>
+                </a:tc>
+                <a:tc>
+                  <a:txBody>
+                    <a:bodyPr/>
+                    <a:lstStyle/>
+                    <a:p>
+                      <a:pPr algn="l" fontAlgn="b"/>
+                      <a:r>
+                        <a:rPr lang="es-ES" sz="1400" u="none" strike="noStrike">
+                          <a:effectLst/>
+                        </a:rPr>
+                        <a:t>Pública/permisionada</a:t>
+                      </a:r>
+                      <a:endParaRPr lang="es-ES" sz="1400" b="1" i="0" u="none" strike="noStrike">
+                        <a:solidFill>
+                          <a:srgbClr val="FFFFFF"/>
+                        </a:solidFill>
+                        <a:effectLst/>
+                        <a:latin typeface="Calibri" panose="020F0502020204030204" pitchFamily="34" charset="0"/>
+                      </a:endParaRPr>
+                    </a:p>
+                  </a:txBody>
+                  <a:tcPr marL="6350" marR="6350" marT="6350" marB="0" anchor="b"/>
+                </a:tc>
+                <a:tc>
+                  <a:txBody>
+                    <a:bodyPr/>
+                    <a:lstStyle/>
+                    <a:p>
+                      <a:pPr algn="l" fontAlgn="b"/>
+                      <a:r>
+                        <a:rPr lang="es-ES" sz="1400" u="none" strike="noStrike">
+                          <a:effectLst/>
+                        </a:rPr>
+                        <a:t>Algoritmo de consenso</a:t>
+                      </a:r>
+                      <a:endParaRPr lang="es-ES" sz="1400" b="1" i="0" u="none" strike="noStrike">
+                        <a:solidFill>
+                          <a:srgbClr val="FFFFFF"/>
+                        </a:solidFill>
+                        <a:effectLst/>
+                        <a:latin typeface="Calibri" panose="020F0502020204030204" pitchFamily="34" charset="0"/>
+                      </a:endParaRPr>
+                    </a:p>
+                  </a:txBody>
+                  <a:tcPr marL="6350" marR="6350" marT="6350" marB="0" anchor="b"/>
+                </a:tc>
+                <a:tc>
+                  <a:txBody>
+                    <a:bodyPr/>
+                    <a:lstStyle/>
+                    <a:p>
+                      <a:pPr algn="l" fontAlgn="b"/>
+                      <a:r>
+                        <a:rPr lang="es-ES" sz="1400" u="none" strike="noStrike">
+                          <a:effectLst/>
+                        </a:rPr>
+                        <a:t>Transacciones/segundo</a:t>
+                      </a:r>
+                      <a:endParaRPr lang="es-ES" sz="1400" b="1" i="0" u="none" strike="noStrike">
+                        <a:solidFill>
+                          <a:srgbClr val="FFFFFF"/>
+                        </a:solidFill>
+                        <a:effectLst/>
+                        <a:latin typeface="Calibri" panose="020F0502020204030204" pitchFamily="34" charset="0"/>
+                      </a:endParaRPr>
+                    </a:p>
+                  </a:txBody>
+                  <a:tcPr marL="6350" marR="6350" marT="6350" marB="0" anchor="b"/>
+                </a:tc>
+                <a:extLst>
+                  <a:ext uri="{0D108BD9-81ED-4DB2-BD59-A6C34878D82A}">
+                    <a16:rowId xmlns:a16="http://schemas.microsoft.com/office/drawing/2014/main" val="2720847567"/>
+                  </a:ext>
+                </a:extLst>
+              </a:tr>
+              <a:tr h="234950">
+                <a:tc>
+                  <a:txBody>
+                    <a:bodyPr/>
+                    <a:lstStyle/>
+                    <a:p>
+                      <a:pPr algn="l" fontAlgn="b"/>
+                      <a:r>
+                        <a:rPr lang="es-ES" sz="1400" u="none" strike="noStrike" dirty="0">
+                          <a:effectLst/>
+                        </a:rPr>
+                        <a:t>Bitcoin</a:t>
+                      </a:r>
+                      <a:endParaRPr lang="es-ES" sz="1400" b="1" i="0" u="none" strike="noStrike" dirty="0">
+                        <a:solidFill>
+                          <a:srgbClr val="000000"/>
+                        </a:solidFill>
+                        <a:effectLst/>
+                        <a:latin typeface="Calibri" panose="020F0502020204030204" pitchFamily="34" charset="0"/>
+                      </a:endParaRPr>
+                    </a:p>
+                  </a:txBody>
+                  <a:tcPr marL="6350" marR="6350" marT="6350" marB="0" anchor="b"/>
+                </a:tc>
+                <a:tc>
+                  <a:txBody>
+                    <a:bodyPr/>
+                    <a:lstStyle/>
+                    <a:p>
+                      <a:pPr algn="l" fontAlgn="b"/>
+                      <a:r>
+                        <a:rPr lang="es-ES" sz="1400" u="none" strike="noStrike">
+                          <a:effectLst/>
+                        </a:rPr>
+                        <a:t>Blockchain</a:t>
+                      </a:r>
+                      <a:endParaRPr lang="es-ES" sz="1400" b="0" i="0" u="none" strike="noStrike">
+                        <a:solidFill>
+                          <a:srgbClr val="000000"/>
+                        </a:solidFill>
+                        <a:effectLst/>
+                        <a:latin typeface="Calibri" panose="020F0502020204030204" pitchFamily="34" charset="0"/>
+                      </a:endParaRPr>
+                    </a:p>
+                  </a:txBody>
+                  <a:tcPr marL="6350" marR="6350" marT="6350" marB="0" anchor="b"/>
+                </a:tc>
+                <a:tc>
+                  <a:txBody>
+                    <a:bodyPr/>
+                    <a:lstStyle/>
+                    <a:p>
+                      <a:pPr algn="l" fontAlgn="b"/>
+                      <a:r>
+                        <a:rPr lang="es-ES" sz="1400" u="none" strike="noStrike">
+                          <a:effectLst/>
+                        </a:rPr>
+                        <a:t>Pública </a:t>
+                      </a:r>
+                      <a:endParaRPr lang="es-ES" sz="1400" b="0" i="0" u="none" strike="noStrike">
+                        <a:solidFill>
+                          <a:srgbClr val="000000"/>
+                        </a:solidFill>
+                        <a:effectLst/>
+                        <a:latin typeface="Calibri" panose="020F0502020204030204" pitchFamily="34" charset="0"/>
+                      </a:endParaRPr>
+                    </a:p>
+                  </a:txBody>
+                  <a:tcPr marL="6350" marR="6350" marT="6350" marB="0" anchor="b"/>
+                </a:tc>
+                <a:tc>
+                  <a:txBody>
+                    <a:bodyPr/>
+                    <a:lstStyle/>
+                    <a:p>
+                      <a:pPr algn="l" fontAlgn="b"/>
+                      <a:r>
+                        <a:rPr lang="es-ES" sz="1400" u="none" strike="noStrike">
+                          <a:effectLst/>
+                        </a:rPr>
+                        <a:t>Proof of Work</a:t>
+                      </a:r>
+                      <a:endParaRPr lang="es-ES" sz="1400" b="0" i="0" u="none" strike="noStrike">
+                        <a:solidFill>
+                          <a:srgbClr val="000000"/>
+                        </a:solidFill>
+                        <a:effectLst/>
+                        <a:latin typeface="Calibri" panose="020F0502020204030204" pitchFamily="34" charset="0"/>
+                      </a:endParaRPr>
+                    </a:p>
+                  </a:txBody>
+                  <a:tcPr marL="6350" marR="6350" marT="6350" marB="0" anchor="b"/>
+                </a:tc>
+                <a:tc>
+                  <a:txBody>
+                    <a:bodyPr/>
+                    <a:lstStyle/>
+                    <a:p>
+                      <a:pPr algn="ctr" fontAlgn="b"/>
+                      <a:r>
+                        <a:rPr lang="es-ES" sz="1400" u="none" strike="noStrike">
+                          <a:effectLst/>
+                        </a:rPr>
+                        <a:t>2-4 </a:t>
+                      </a:r>
+                      <a:endParaRPr lang="es-ES" sz="1400" b="0" i="0" u="none" strike="noStrike">
+                        <a:solidFill>
+                          <a:srgbClr val="000000"/>
+                        </a:solidFill>
+                        <a:effectLst/>
+                        <a:latin typeface="Calibri" panose="020F0502020204030204" pitchFamily="34" charset="0"/>
+                      </a:endParaRPr>
+                    </a:p>
+                  </a:txBody>
+                  <a:tcPr marL="6350" marR="6350" marT="6350" marB="0" anchor="b"/>
+                </a:tc>
+                <a:extLst>
+                  <a:ext uri="{0D108BD9-81ED-4DB2-BD59-A6C34878D82A}">
+                    <a16:rowId xmlns:a16="http://schemas.microsoft.com/office/drawing/2014/main" val="1518164890"/>
+                  </a:ext>
+                </a:extLst>
+              </a:tr>
+              <a:tr h="234950">
+                <a:tc>
+                  <a:txBody>
+                    <a:bodyPr/>
+                    <a:lstStyle/>
+                    <a:p>
+                      <a:pPr algn="l" fontAlgn="b"/>
+                      <a:r>
+                        <a:rPr lang="es-ES" sz="1400" u="none" strike="noStrike">
+                          <a:effectLst/>
+                        </a:rPr>
+                        <a:t>Ethereum</a:t>
+                      </a:r>
+                      <a:endParaRPr lang="es-ES" sz="1400" b="1" i="0" u="none" strike="noStrike">
+                        <a:solidFill>
+                          <a:srgbClr val="000000"/>
+                        </a:solidFill>
+                        <a:effectLst/>
+                        <a:latin typeface="Calibri" panose="020F0502020204030204" pitchFamily="34" charset="0"/>
+                      </a:endParaRPr>
+                    </a:p>
+                  </a:txBody>
+                  <a:tcPr marL="6350" marR="6350" marT="6350" marB="0" anchor="b"/>
+                </a:tc>
+                <a:tc>
+                  <a:txBody>
+                    <a:bodyPr/>
+                    <a:lstStyle/>
+                    <a:p>
+                      <a:pPr algn="l" fontAlgn="b"/>
+                      <a:r>
+                        <a:rPr lang="es-ES" sz="1400" u="none" strike="noStrike">
+                          <a:effectLst/>
+                        </a:rPr>
+                        <a:t>Blockchain</a:t>
+                      </a:r>
+                      <a:endParaRPr lang="es-ES" sz="1400" b="0" i="0" u="none" strike="noStrike">
+                        <a:solidFill>
+                          <a:srgbClr val="000000"/>
+                        </a:solidFill>
+                        <a:effectLst/>
+                        <a:latin typeface="Calibri" panose="020F0502020204030204" pitchFamily="34" charset="0"/>
+                      </a:endParaRPr>
+                    </a:p>
+                  </a:txBody>
+                  <a:tcPr marL="6350" marR="6350" marT="6350" marB="0" anchor="b"/>
+                </a:tc>
+                <a:tc>
+                  <a:txBody>
+                    <a:bodyPr/>
+                    <a:lstStyle/>
+                    <a:p>
+                      <a:pPr algn="l" fontAlgn="b"/>
+                      <a:r>
+                        <a:rPr lang="es-ES" sz="1400" u="none" strike="noStrike">
+                          <a:effectLst/>
+                        </a:rPr>
+                        <a:t>Pública</a:t>
+                      </a:r>
+                      <a:endParaRPr lang="es-ES" sz="1400" b="0" i="0" u="none" strike="noStrike">
+                        <a:solidFill>
+                          <a:srgbClr val="000000"/>
+                        </a:solidFill>
+                        <a:effectLst/>
+                        <a:latin typeface="Calibri" panose="020F0502020204030204" pitchFamily="34" charset="0"/>
+                      </a:endParaRPr>
+                    </a:p>
+                  </a:txBody>
+                  <a:tcPr marL="6350" marR="6350" marT="6350" marB="0" anchor="b"/>
+                </a:tc>
+                <a:tc>
+                  <a:txBody>
+                    <a:bodyPr/>
+                    <a:lstStyle/>
+                    <a:p>
+                      <a:pPr algn="l" fontAlgn="b"/>
+                      <a:r>
+                        <a:rPr lang="es-ES" sz="1400" u="none" strike="noStrike">
+                          <a:effectLst/>
+                        </a:rPr>
+                        <a:t>Proof of Work </a:t>
+                      </a:r>
+                      <a:endParaRPr lang="es-ES" sz="1400" b="0" i="0" u="none" strike="noStrike">
+                        <a:solidFill>
+                          <a:srgbClr val="000000"/>
+                        </a:solidFill>
+                        <a:effectLst/>
+                        <a:latin typeface="Calibri" panose="020F0502020204030204" pitchFamily="34" charset="0"/>
+                      </a:endParaRPr>
+                    </a:p>
+                  </a:txBody>
+                  <a:tcPr marL="6350" marR="6350" marT="6350" marB="0" anchor="b"/>
+                </a:tc>
+                <a:tc>
+                  <a:txBody>
+                    <a:bodyPr/>
+                    <a:lstStyle/>
+                    <a:p>
+                      <a:pPr algn="ctr" fontAlgn="b"/>
+                      <a:r>
+                        <a:rPr lang="es-ES" sz="1400" u="none" strike="noStrike">
+                          <a:effectLst/>
+                        </a:rPr>
+                        <a:t>5-7</a:t>
+                      </a:r>
+                      <a:endParaRPr lang="es-ES" sz="1400" b="0" i="0" u="none" strike="noStrike">
+                        <a:solidFill>
+                          <a:srgbClr val="000000"/>
+                        </a:solidFill>
+                        <a:effectLst/>
+                        <a:latin typeface="Calibri" panose="020F0502020204030204" pitchFamily="34" charset="0"/>
+                      </a:endParaRPr>
+                    </a:p>
+                  </a:txBody>
+                  <a:tcPr marL="6350" marR="6350" marT="6350" marB="0" anchor="b"/>
+                </a:tc>
+                <a:extLst>
+                  <a:ext uri="{0D108BD9-81ED-4DB2-BD59-A6C34878D82A}">
+                    <a16:rowId xmlns:a16="http://schemas.microsoft.com/office/drawing/2014/main" val="2751734708"/>
+                  </a:ext>
+                </a:extLst>
+              </a:tr>
+              <a:tr h="234950">
+                <a:tc>
+                  <a:txBody>
+                    <a:bodyPr/>
+                    <a:lstStyle/>
+                    <a:p>
+                      <a:pPr algn="l" fontAlgn="b"/>
+                      <a:r>
+                        <a:rPr lang="es-ES" sz="1400" u="none" strike="noStrike">
+                          <a:effectLst/>
+                        </a:rPr>
+                        <a:t>Hyperledger Fabric</a:t>
+                      </a:r>
+                      <a:endParaRPr lang="es-ES" sz="1400" b="1" i="0" u="none" strike="noStrike">
+                        <a:solidFill>
+                          <a:srgbClr val="000000"/>
+                        </a:solidFill>
+                        <a:effectLst/>
+                        <a:latin typeface="Calibri" panose="020F0502020204030204" pitchFamily="34" charset="0"/>
+                      </a:endParaRPr>
+                    </a:p>
+                  </a:txBody>
+                  <a:tcPr marL="6350" marR="6350" marT="6350" marB="0" anchor="b"/>
+                </a:tc>
+                <a:tc>
+                  <a:txBody>
+                    <a:bodyPr/>
+                    <a:lstStyle/>
+                    <a:p>
+                      <a:pPr algn="l" fontAlgn="b"/>
+                      <a:r>
+                        <a:rPr lang="es-ES" sz="1400" u="none" strike="noStrike">
+                          <a:effectLst/>
+                        </a:rPr>
+                        <a:t>Blockchain</a:t>
+                      </a:r>
+                      <a:endParaRPr lang="es-ES" sz="1400" b="0" i="0" u="none" strike="noStrike">
+                        <a:solidFill>
+                          <a:srgbClr val="000000"/>
+                        </a:solidFill>
+                        <a:effectLst/>
+                        <a:latin typeface="Calibri" panose="020F0502020204030204" pitchFamily="34" charset="0"/>
+                      </a:endParaRPr>
+                    </a:p>
+                  </a:txBody>
+                  <a:tcPr marL="6350" marR="6350" marT="6350" marB="0" anchor="b"/>
+                </a:tc>
+                <a:tc>
+                  <a:txBody>
+                    <a:bodyPr/>
+                    <a:lstStyle/>
+                    <a:p>
+                      <a:pPr algn="l" fontAlgn="b"/>
+                      <a:r>
+                        <a:rPr lang="es-ES" sz="1400" u="none" strike="noStrike">
+                          <a:effectLst/>
+                        </a:rPr>
+                        <a:t>Permisionada</a:t>
+                      </a:r>
+                      <a:endParaRPr lang="es-ES" sz="1400" b="0" i="0" u="none" strike="noStrike">
+                        <a:solidFill>
+                          <a:srgbClr val="000000"/>
+                        </a:solidFill>
+                        <a:effectLst/>
+                        <a:latin typeface="Calibri" panose="020F0502020204030204" pitchFamily="34" charset="0"/>
+                      </a:endParaRPr>
+                    </a:p>
+                  </a:txBody>
+                  <a:tcPr marL="6350" marR="6350" marT="6350" marB="0" anchor="b"/>
+                </a:tc>
+                <a:tc>
+                  <a:txBody>
+                    <a:bodyPr/>
+                    <a:lstStyle/>
+                    <a:p>
+                      <a:pPr algn="l" fontAlgn="b"/>
+                      <a:r>
+                        <a:rPr lang="es-ES" sz="1400" u="none" strike="noStrike">
+                          <a:effectLst/>
+                        </a:rPr>
+                        <a:t>Byzantine Fault Tolerance</a:t>
+                      </a:r>
+                      <a:endParaRPr lang="es-ES" sz="1400" b="0" i="0" u="none" strike="noStrike">
+                        <a:solidFill>
+                          <a:srgbClr val="000000"/>
+                        </a:solidFill>
+                        <a:effectLst/>
+                        <a:latin typeface="Calibri" panose="020F0502020204030204" pitchFamily="34" charset="0"/>
+                      </a:endParaRPr>
+                    </a:p>
+                  </a:txBody>
+                  <a:tcPr marL="6350" marR="6350" marT="6350" marB="0" anchor="b"/>
+                </a:tc>
+                <a:tc>
+                  <a:txBody>
+                    <a:bodyPr/>
+                    <a:lstStyle/>
+                    <a:p>
+                      <a:pPr algn="ctr" fontAlgn="b"/>
+                      <a:r>
+                        <a:rPr lang="es-ES" sz="1400" u="none" strike="noStrike">
+                          <a:effectLst/>
+                        </a:rPr>
+                        <a:t>3.500</a:t>
+                      </a:r>
+                      <a:endParaRPr lang="es-ES" sz="1400" b="0" i="0" u="none" strike="noStrike">
+                        <a:solidFill>
+                          <a:srgbClr val="000000"/>
+                        </a:solidFill>
+                        <a:effectLst/>
+                        <a:latin typeface="Calibri" panose="020F0502020204030204" pitchFamily="34" charset="0"/>
+                      </a:endParaRPr>
+                    </a:p>
+                  </a:txBody>
+                  <a:tcPr marL="6350" marR="6350" marT="6350" marB="0" anchor="b"/>
+                </a:tc>
+                <a:extLst>
+                  <a:ext uri="{0D108BD9-81ED-4DB2-BD59-A6C34878D82A}">
+                    <a16:rowId xmlns:a16="http://schemas.microsoft.com/office/drawing/2014/main" val="1895213170"/>
+                  </a:ext>
+                </a:extLst>
+              </a:tr>
+              <a:tr h="234950">
+                <a:tc>
+                  <a:txBody>
+                    <a:bodyPr/>
+                    <a:lstStyle/>
+                    <a:p>
+                      <a:pPr algn="l" fontAlgn="b"/>
+                      <a:r>
+                        <a:rPr lang="es-ES" sz="1400" u="none" strike="noStrike">
+                          <a:effectLst/>
+                        </a:rPr>
+                        <a:t>Hyperledger Sawtooth</a:t>
+                      </a:r>
+                      <a:endParaRPr lang="es-ES" sz="1400" b="1" i="0" u="none" strike="noStrike">
+                        <a:solidFill>
+                          <a:srgbClr val="000000"/>
+                        </a:solidFill>
+                        <a:effectLst/>
+                        <a:latin typeface="Calibri" panose="020F0502020204030204" pitchFamily="34" charset="0"/>
+                      </a:endParaRPr>
+                    </a:p>
+                  </a:txBody>
+                  <a:tcPr marL="6350" marR="6350" marT="6350" marB="0" anchor="b"/>
+                </a:tc>
+                <a:tc>
+                  <a:txBody>
+                    <a:bodyPr/>
+                    <a:lstStyle/>
+                    <a:p>
+                      <a:pPr algn="l" fontAlgn="b"/>
+                      <a:r>
+                        <a:rPr lang="es-ES" sz="1400" u="none" strike="noStrike">
+                          <a:effectLst/>
+                        </a:rPr>
+                        <a:t>Blockchain</a:t>
+                      </a:r>
+                      <a:endParaRPr lang="es-ES" sz="1400" b="0" i="0" u="none" strike="noStrike">
+                        <a:solidFill>
+                          <a:srgbClr val="000000"/>
+                        </a:solidFill>
+                        <a:effectLst/>
+                        <a:latin typeface="Calibri" panose="020F0502020204030204" pitchFamily="34" charset="0"/>
+                      </a:endParaRPr>
+                    </a:p>
+                  </a:txBody>
+                  <a:tcPr marL="6350" marR="6350" marT="6350" marB="0" anchor="b"/>
+                </a:tc>
+                <a:tc>
+                  <a:txBody>
+                    <a:bodyPr/>
+                    <a:lstStyle/>
+                    <a:p>
+                      <a:pPr algn="l" fontAlgn="b"/>
+                      <a:r>
+                        <a:rPr lang="es-ES" sz="1400" u="none" strike="noStrike">
+                          <a:effectLst/>
+                        </a:rPr>
+                        <a:t>Permisionada</a:t>
+                      </a:r>
+                      <a:endParaRPr lang="es-ES" sz="1400" b="0" i="0" u="none" strike="noStrike">
+                        <a:solidFill>
+                          <a:srgbClr val="000000"/>
+                        </a:solidFill>
+                        <a:effectLst/>
+                        <a:latin typeface="Calibri" panose="020F0502020204030204" pitchFamily="34" charset="0"/>
+                      </a:endParaRPr>
+                    </a:p>
+                  </a:txBody>
+                  <a:tcPr marL="6350" marR="6350" marT="6350" marB="0" anchor="b"/>
+                </a:tc>
+                <a:tc>
+                  <a:txBody>
+                    <a:bodyPr/>
+                    <a:lstStyle/>
+                    <a:p>
+                      <a:pPr algn="l" fontAlgn="b"/>
+                      <a:r>
+                        <a:rPr lang="es-ES" sz="1400" u="none" strike="noStrike">
+                          <a:effectLst/>
+                        </a:rPr>
+                        <a:t>Proof of Elapsed Time</a:t>
+                      </a:r>
+                      <a:endParaRPr lang="es-ES" sz="1400" b="0" i="0" u="none" strike="noStrike">
+                        <a:solidFill>
+                          <a:srgbClr val="000000"/>
+                        </a:solidFill>
+                        <a:effectLst/>
+                        <a:latin typeface="Calibri" panose="020F0502020204030204" pitchFamily="34" charset="0"/>
+                      </a:endParaRPr>
+                    </a:p>
+                  </a:txBody>
+                  <a:tcPr marL="6350" marR="6350" marT="6350" marB="0" anchor="b"/>
+                </a:tc>
+                <a:tc>
+                  <a:txBody>
+                    <a:bodyPr/>
+                    <a:lstStyle/>
+                    <a:p>
+                      <a:pPr algn="ctr" fontAlgn="b"/>
+                      <a:r>
+                        <a:rPr lang="es-ES" sz="1400" u="none" strike="noStrike">
+                          <a:effectLst/>
+                        </a:rPr>
+                        <a:t>100x</a:t>
+                      </a:r>
+                      <a:endParaRPr lang="es-ES" sz="1400" b="0" i="0" u="none" strike="noStrike">
+                        <a:solidFill>
+                          <a:srgbClr val="000000"/>
+                        </a:solidFill>
+                        <a:effectLst/>
+                        <a:latin typeface="Calibri" panose="020F0502020204030204" pitchFamily="34" charset="0"/>
+                      </a:endParaRPr>
+                    </a:p>
+                  </a:txBody>
+                  <a:tcPr marL="6350" marR="6350" marT="6350" marB="0" anchor="b"/>
+                </a:tc>
+                <a:extLst>
+                  <a:ext uri="{0D108BD9-81ED-4DB2-BD59-A6C34878D82A}">
+                    <a16:rowId xmlns:a16="http://schemas.microsoft.com/office/drawing/2014/main" val="2406989258"/>
+                  </a:ext>
+                </a:extLst>
+              </a:tr>
+              <a:tr h="234950">
+                <a:tc>
+                  <a:txBody>
+                    <a:bodyPr/>
+                    <a:lstStyle/>
+                    <a:p>
+                      <a:pPr algn="l" fontAlgn="b"/>
+                      <a:r>
+                        <a:rPr lang="es-ES" sz="1400" u="none" strike="noStrike">
+                          <a:effectLst/>
+                        </a:rPr>
+                        <a:t>Alastria</a:t>
+                      </a:r>
+                      <a:endParaRPr lang="es-ES" sz="1400" b="1" i="0" u="none" strike="noStrike">
+                        <a:solidFill>
+                          <a:srgbClr val="000000"/>
+                        </a:solidFill>
+                        <a:effectLst/>
+                        <a:latin typeface="Calibri" panose="020F0502020204030204" pitchFamily="34" charset="0"/>
+                      </a:endParaRPr>
+                    </a:p>
+                  </a:txBody>
+                  <a:tcPr marL="6350" marR="6350" marT="6350" marB="0" anchor="b"/>
+                </a:tc>
+                <a:tc>
+                  <a:txBody>
+                    <a:bodyPr/>
+                    <a:lstStyle/>
+                    <a:p>
+                      <a:pPr algn="l" fontAlgn="b"/>
+                      <a:r>
+                        <a:rPr lang="es-ES" sz="1400" u="none" strike="noStrike">
+                          <a:effectLst/>
+                        </a:rPr>
+                        <a:t>Blockchain</a:t>
+                      </a:r>
+                      <a:endParaRPr lang="es-ES" sz="1400" b="0" i="0" u="none" strike="noStrike">
+                        <a:solidFill>
+                          <a:srgbClr val="000000"/>
+                        </a:solidFill>
+                        <a:effectLst/>
+                        <a:latin typeface="Calibri" panose="020F0502020204030204" pitchFamily="34" charset="0"/>
+                      </a:endParaRPr>
+                    </a:p>
+                  </a:txBody>
+                  <a:tcPr marL="6350" marR="6350" marT="6350" marB="0" anchor="b"/>
+                </a:tc>
+                <a:tc>
+                  <a:txBody>
+                    <a:bodyPr/>
+                    <a:lstStyle/>
+                    <a:p>
+                      <a:pPr algn="l" fontAlgn="b"/>
+                      <a:r>
+                        <a:rPr lang="es-ES" sz="1400" u="none" strike="noStrike">
+                          <a:effectLst/>
+                        </a:rPr>
+                        <a:t>Permisionada</a:t>
+                      </a:r>
+                      <a:endParaRPr lang="es-ES" sz="1400" b="0" i="0" u="none" strike="noStrike">
+                        <a:solidFill>
+                          <a:srgbClr val="000000"/>
+                        </a:solidFill>
+                        <a:effectLst/>
+                        <a:latin typeface="Calibri" panose="020F0502020204030204" pitchFamily="34" charset="0"/>
+                      </a:endParaRPr>
+                    </a:p>
+                  </a:txBody>
+                  <a:tcPr marL="6350" marR="6350" marT="6350" marB="0" anchor="b"/>
+                </a:tc>
+                <a:tc>
+                  <a:txBody>
+                    <a:bodyPr/>
+                    <a:lstStyle/>
+                    <a:p>
+                      <a:pPr algn="l" fontAlgn="b"/>
+                      <a:r>
+                        <a:rPr lang="es-ES" sz="1400" u="none" strike="noStrike">
+                          <a:effectLst/>
+                        </a:rPr>
+                        <a:t>Instambul BFT</a:t>
+                      </a:r>
+                      <a:endParaRPr lang="es-ES" sz="1400" b="0" i="0" u="none" strike="noStrike">
+                        <a:solidFill>
+                          <a:srgbClr val="000000"/>
+                        </a:solidFill>
+                        <a:effectLst/>
+                        <a:latin typeface="Calibri" panose="020F0502020204030204" pitchFamily="34" charset="0"/>
+                      </a:endParaRPr>
+                    </a:p>
+                  </a:txBody>
+                  <a:tcPr marL="6350" marR="6350" marT="6350" marB="0" anchor="b"/>
+                </a:tc>
+                <a:tc>
+                  <a:txBody>
+                    <a:bodyPr/>
+                    <a:lstStyle/>
+                    <a:p>
+                      <a:pPr algn="ctr" fontAlgn="b"/>
+                      <a:r>
+                        <a:rPr lang="es-ES" sz="1400" u="none" strike="noStrike">
+                          <a:effectLst/>
+                        </a:rPr>
+                        <a:t>100x</a:t>
+                      </a:r>
+                      <a:endParaRPr lang="es-ES" sz="1400" b="0" i="0" u="none" strike="noStrike">
+                        <a:solidFill>
+                          <a:srgbClr val="000000"/>
+                        </a:solidFill>
+                        <a:effectLst/>
+                        <a:latin typeface="Calibri" panose="020F0502020204030204" pitchFamily="34" charset="0"/>
+                      </a:endParaRPr>
+                    </a:p>
+                  </a:txBody>
+                  <a:tcPr marL="6350" marR="6350" marT="6350" marB="0" anchor="b"/>
+                </a:tc>
+                <a:extLst>
+                  <a:ext uri="{0D108BD9-81ED-4DB2-BD59-A6C34878D82A}">
+                    <a16:rowId xmlns:a16="http://schemas.microsoft.com/office/drawing/2014/main" val="3344733150"/>
+                  </a:ext>
+                </a:extLst>
+              </a:tr>
+              <a:tr h="234950">
+                <a:tc>
+                  <a:txBody>
+                    <a:bodyPr/>
+                    <a:lstStyle/>
+                    <a:p>
+                      <a:pPr algn="l" fontAlgn="b"/>
+                      <a:r>
+                        <a:rPr lang="es-ES" sz="1400" u="none" strike="noStrike">
+                          <a:effectLst/>
+                        </a:rPr>
+                        <a:t>IOTA</a:t>
+                      </a:r>
+                      <a:endParaRPr lang="es-ES" sz="1400" b="1" i="0" u="none" strike="noStrike">
+                        <a:solidFill>
+                          <a:srgbClr val="000000"/>
+                        </a:solidFill>
+                        <a:effectLst/>
+                        <a:latin typeface="Calibri" panose="020F0502020204030204" pitchFamily="34" charset="0"/>
+                      </a:endParaRPr>
+                    </a:p>
+                  </a:txBody>
+                  <a:tcPr marL="6350" marR="6350" marT="6350" marB="0" anchor="b"/>
+                </a:tc>
+                <a:tc>
+                  <a:txBody>
+                    <a:bodyPr/>
+                    <a:lstStyle/>
+                    <a:p>
+                      <a:pPr algn="l" fontAlgn="b"/>
+                      <a:r>
+                        <a:rPr lang="es-ES" sz="1400" u="none" strike="noStrike">
+                          <a:effectLst/>
+                        </a:rPr>
+                        <a:t>Tangle</a:t>
+                      </a:r>
+                      <a:endParaRPr lang="es-ES" sz="1400" b="0" i="0" u="none" strike="noStrike">
+                        <a:solidFill>
+                          <a:srgbClr val="000000"/>
+                        </a:solidFill>
+                        <a:effectLst/>
+                        <a:latin typeface="Calibri" panose="020F0502020204030204" pitchFamily="34" charset="0"/>
+                      </a:endParaRPr>
+                    </a:p>
+                  </a:txBody>
+                  <a:tcPr marL="6350" marR="6350" marT="6350" marB="0" anchor="b"/>
+                </a:tc>
+                <a:tc>
+                  <a:txBody>
+                    <a:bodyPr/>
+                    <a:lstStyle/>
+                    <a:p>
+                      <a:pPr algn="l" fontAlgn="b"/>
+                      <a:r>
+                        <a:rPr lang="es-ES" sz="1400" u="none" strike="noStrike">
+                          <a:effectLst/>
+                        </a:rPr>
+                        <a:t>Pública</a:t>
+                      </a:r>
+                      <a:endParaRPr lang="es-ES" sz="1400" b="0" i="0" u="none" strike="noStrike">
+                        <a:solidFill>
+                          <a:srgbClr val="000000"/>
+                        </a:solidFill>
+                        <a:effectLst/>
+                        <a:latin typeface="Calibri" panose="020F0502020204030204" pitchFamily="34" charset="0"/>
+                      </a:endParaRPr>
+                    </a:p>
+                  </a:txBody>
+                  <a:tcPr marL="6350" marR="6350" marT="6350" marB="0" anchor="b"/>
+                </a:tc>
+                <a:tc>
+                  <a:txBody>
+                    <a:bodyPr/>
+                    <a:lstStyle/>
+                    <a:p>
+                      <a:pPr algn="l" fontAlgn="b"/>
+                      <a:r>
+                        <a:rPr lang="es-ES" sz="1400" u="none" strike="noStrike">
+                          <a:effectLst/>
+                        </a:rPr>
+                        <a:t>Markov Chain Monte Carlo</a:t>
+                      </a:r>
+                      <a:endParaRPr lang="es-ES" sz="1400" b="0" i="0" u="none" strike="noStrike">
+                        <a:solidFill>
+                          <a:srgbClr val="000000"/>
+                        </a:solidFill>
+                        <a:effectLst/>
+                        <a:latin typeface="Calibri" panose="020F0502020204030204" pitchFamily="34" charset="0"/>
+                      </a:endParaRPr>
+                    </a:p>
+                  </a:txBody>
+                  <a:tcPr marL="6350" marR="6350" marT="6350" marB="0" anchor="b"/>
+                </a:tc>
+                <a:tc>
+                  <a:txBody>
+                    <a:bodyPr/>
+                    <a:lstStyle/>
+                    <a:p>
+                      <a:pPr algn="ctr" fontAlgn="b"/>
+                      <a:r>
+                        <a:rPr lang="es-ES" sz="1400" u="none" strike="noStrike">
+                          <a:effectLst/>
+                        </a:rPr>
+                        <a:t>1.000.000</a:t>
+                      </a:r>
+                      <a:endParaRPr lang="es-ES" sz="1400" b="0" i="0" u="none" strike="noStrike">
+                        <a:solidFill>
+                          <a:srgbClr val="000000"/>
+                        </a:solidFill>
+                        <a:effectLst/>
+                        <a:latin typeface="Calibri" panose="020F0502020204030204" pitchFamily="34" charset="0"/>
+                      </a:endParaRPr>
+                    </a:p>
+                  </a:txBody>
+                  <a:tcPr marL="6350" marR="6350" marT="6350" marB="0" anchor="b"/>
+                </a:tc>
+                <a:extLst>
+                  <a:ext uri="{0D108BD9-81ED-4DB2-BD59-A6C34878D82A}">
+                    <a16:rowId xmlns:a16="http://schemas.microsoft.com/office/drawing/2014/main" val="442225947"/>
+                  </a:ext>
+                </a:extLst>
+              </a:tr>
+              <a:tr h="234950">
+                <a:tc>
+                  <a:txBody>
+                    <a:bodyPr/>
+                    <a:lstStyle/>
+                    <a:p>
+                      <a:pPr algn="l" fontAlgn="b"/>
+                      <a:r>
+                        <a:rPr lang="es-ES" sz="1400" u="none" strike="noStrike">
+                          <a:effectLst/>
+                        </a:rPr>
+                        <a:t>Hedera</a:t>
+                      </a:r>
+                      <a:endParaRPr lang="es-ES" sz="1400" b="1" i="0" u="none" strike="noStrike">
+                        <a:solidFill>
+                          <a:srgbClr val="000000"/>
+                        </a:solidFill>
+                        <a:effectLst/>
+                        <a:latin typeface="Calibri" panose="020F0502020204030204" pitchFamily="34" charset="0"/>
+                      </a:endParaRPr>
+                    </a:p>
+                  </a:txBody>
+                  <a:tcPr marL="6350" marR="6350" marT="6350" marB="0" anchor="b"/>
+                </a:tc>
+                <a:tc>
+                  <a:txBody>
+                    <a:bodyPr/>
+                    <a:lstStyle/>
+                    <a:p>
+                      <a:pPr algn="l" fontAlgn="b"/>
+                      <a:r>
+                        <a:rPr lang="es-ES" sz="1400" u="none" strike="noStrike">
+                          <a:effectLst/>
+                        </a:rPr>
+                        <a:t>Hashgraph</a:t>
+                      </a:r>
+                      <a:endParaRPr lang="es-ES" sz="1400" b="0" i="0" u="none" strike="noStrike">
+                        <a:solidFill>
+                          <a:srgbClr val="000000"/>
+                        </a:solidFill>
+                        <a:effectLst/>
+                        <a:latin typeface="Calibri" panose="020F0502020204030204" pitchFamily="34" charset="0"/>
+                      </a:endParaRPr>
+                    </a:p>
+                  </a:txBody>
+                  <a:tcPr marL="6350" marR="6350" marT="6350" marB="0" anchor="b"/>
+                </a:tc>
+                <a:tc>
+                  <a:txBody>
+                    <a:bodyPr/>
+                    <a:lstStyle/>
+                    <a:p>
+                      <a:pPr algn="l" fontAlgn="b"/>
+                      <a:r>
+                        <a:rPr lang="es-ES" sz="1400" u="none" strike="noStrike">
+                          <a:effectLst/>
+                        </a:rPr>
+                        <a:t>Permisionada</a:t>
+                      </a:r>
+                      <a:endParaRPr lang="es-ES" sz="1400" b="0" i="0" u="none" strike="noStrike">
+                        <a:solidFill>
+                          <a:srgbClr val="000000"/>
+                        </a:solidFill>
+                        <a:effectLst/>
+                        <a:latin typeface="Calibri" panose="020F0502020204030204" pitchFamily="34" charset="0"/>
+                      </a:endParaRPr>
+                    </a:p>
+                  </a:txBody>
+                  <a:tcPr marL="6350" marR="6350" marT="6350" marB="0" anchor="b"/>
+                </a:tc>
+                <a:tc>
+                  <a:txBody>
+                    <a:bodyPr/>
+                    <a:lstStyle/>
+                    <a:p>
+                      <a:pPr algn="l" fontAlgn="b"/>
+                      <a:r>
+                        <a:rPr lang="es-ES" sz="1400" u="none" strike="noStrike">
+                          <a:effectLst/>
+                        </a:rPr>
+                        <a:t>Gossip Protocol</a:t>
+                      </a:r>
+                      <a:endParaRPr lang="es-ES" sz="1400" b="0" i="0" u="none" strike="noStrike">
+                        <a:solidFill>
+                          <a:srgbClr val="000000"/>
+                        </a:solidFill>
+                        <a:effectLst/>
+                        <a:latin typeface="Calibri" panose="020F0502020204030204" pitchFamily="34" charset="0"/>
+                      </a:endParaRPr>
+                    </a:p>
+                  </a:txBody>
+                  <a:tcPr marL="6350" marR="6350" marT="6350" marB="0" anchor="b"/>
+                </a:tc>
+                <a:tc>
+                  <a:txBody>
+                    <a:bodyPr/>
+                    <a:lstStyle/>
+                    <a:p>
+                      <a:pPr algn="ctr" fontAlgn="b"/>
+                      <a:r>
+                        <a:rPr lang="es-ES" sz="1400" u="none" strike="noStrike" dirty="0">
+                          <a:effectLst/>
+                        </a:rPr>
+                        <a:t>250.000</a:t>
+                      </a:r>
+                      <a:endParaRPr lang="es-ES" sz="1400" b="0" i="0" u="none" strike="noStrike" dirty="0">
+                        <a:solidFill>
+                          <a:srgbClr val="000000"/>
+                        </a:solidFill>
+                        <a:effectLst/>
+                        <a:latin typeface="Calibri" panose="020F0502020204030204" pitchFamily="34" charset="0"/>
+                      </a:endParaRPr>
+                    </a:p>
+                  </a:txBody>
+                  <a:tcPr marL="6350" marR="6350" marT="6350" marB="0" anchor="b"/>
+                </a:tc>
+                <a:extLst>
+                  <a:ext uri="{0D108BD9-81ED-4DB2-BD59-A6C34878D82A}">
+                    <a16:rowId xmlns:a16="http://schemas.microsoft.com/office/drawing/2014/main" val="1102887888"/>
+                  </a:ext>
+                </a:extLst>
+              </a:tr>
+            </a:tbl>
+          </a:graphicData>
+        </a:graphic>
+      </p:graphicFrame>
+    </p:spTree>
+    <p:extLst>
+      <p:ext uri="{BB962C8B-B14F-4D97-AF65-F5344CB8AC3E}">
+        <p14:creationId xmlns:p14="http://schemas.microsoft.com/office/powerpoint/2010/main" val="1079199934"/>
+      </p:ext>
+    </p:extLst>
+  </p:cSld>
+  <p:clrMapOvr>
+    <a:masterClrMapping/>
+  </p:clrMapOvr>
+</p:sld>
+</file>
+
 <file path=ppt/theme/theme1.xml><?xml version="1.0" encoding="utf-8"?>
 <a:theme xmlns:a="http://schemas.openxmlformats.org/drawingml/2006/main" name="Tema de Office">
   <a:themeElements>
